--- a/LMS.pptx
+++ b/LMS.pptx
@@ -7,17 +7,14 @@
   <p:sldIdLst>
     <p:sldId id="258" r:id="rId2"/>
     <p:sldId id="257" r:id="rId3"/>
-    <p:sldId id="259" r:id="rId4"/>
-    <p:sldId id="264" r:id="rId5"/>
-    <p:sldId id="265" r:id="rId6"/>
-    <p:sldId id="267" r:id="rId7"/>
-    <p:sldId id="268" r:id="rId8"/>
-    <p:sldId id="263" r:id="rId9"/>
-    <p:sldId id="262" r:id="rId10"/>
-    <p:sldId id="269" r:id="rId11"/>
-    <p:sldId id="270" r:id="rId12"/>
-    <p:sldId id="272" r:id="rId13"/>
-    <p:sldId id="271" r:id="rId14"/>
+    <p:sldId id="274" r:id="rId4"/>
+    <p:sldId id="275" r:id="rId5"/>
+    <p:sldId id="263" r:id="rId6"/>
+    <p:sldId id="259" r:id="rId7"/>
+    <p:sldId id="277" r:id="rId8"/>
+    <p:sldId id="278" r:id="rId9"/>
+    <p:sldId id="276" r:id="rId10"/>
+    <p:sldId id="279" r:id="rId11"/>
   </p:sldIdLst>
   <p:sldSz cx="12192000" cy="6858000"/>
   <p:notesSz cx="6858000" cy="9144000"/>
@@ -122,6 +119,476 @@
     </p:ext>
   </p:extLst>
 </p:presentation>
+</file>
+
+<file path=ppt/changesInfos/changesInfo1.xml><?xml version="1.0" encoding="utf-8"?>
+<pc:chgInfo xmlns:a="http://schemas.openxmlformats.org/drawingml/2006/main" xmlns:r="http://schemas.openxmlformats.org/officeDocument/2006/relationships" xmlns:ac="http://schemas.microsoft.com/office/drawing/2013/main/command" xmlns:pc="http://schemas.microsoft.com/office/powerpoint/2013/main/command">
+  <pc:docChgLst>
+    <pc:chgData name="vruchikapatil03@gmail.com" userId="1a4c2dc263dd09a2" providerId="LiveId" clId="{86E385A9-8AB4-448A-9CA5-0493E8D1F06D}"/>
+    <pc:docChg chg="undo custSel addSld delSld modSld sldOrd modMainMaster">
+      <pc:chgData name="vruchikapatil03@gmail.com" userId="1a4c2dc263dd09a2" providerId="LiveId" clId="{86E385A9-8AB4-448A-9CA5-0493E8D1F06D}" dt="2025-01-08T08:42:05.217" v="827" actId="20577"/>
+      <pc:docMkLst>
+        <pc:docMk/>
+      </pc:docMkLst>
+      <pc:sldChg chg="modSp mod">
+        <pc:chgData name="vruchikapatil03@gmail.com" userId="1a4c2dc263dd09a2" providerId="LiveId" clId="{86E385A9-8AB4-448A-9CA5-0493E8D1F06D}" dt="2025-01-08T08:31:12.357" v="761" actId="20577"/>
+        <pc:sldMkLst>
+          <pc:docMk/>
+          <pc:sldMk cId="2773894649" sldId="257"/>
+        </pc:sldMkLst>
+        <pc:spChg chg="mod">
+          <ac:chgData name="vruchikapatil03@gmail.com" userId="1a4c2dc263dd09a2" providerId="LiveId" clId="{86E385A9-8AB4-448A-9CA5-0493E8D1F06D}" dt="2025-01-08T08:31:12.357" v="761" actId="20577"/>
+          <ac:spMkLst>
+            <pc:docMk/>
+            <pc:sldMk cId="2773894649" sldId="257"/>
+            <ac:spMk id="3" creationId="{93C98F66-58C2-4451-E84D-FD357171C6BD}"/>
+          </ac:spMkLst>
+        </pc:spChg>
+      </pc:sldChg>
+      <pc:sldChg chg="setBg">
+        <pc:chgData name="vruchikapatil03@gmail.com" userId="1a4c2dc263dd09a2" providerId="LiveId" clId="{86E385A9-8AB4-448A-9CA5-0493E8D1F06D}" dt="2025-01-07T08:18:29.001" v="717"/>
+        <pc:sldMkLst>
+          <pc:docMk/>
+          <pc:sldMk cId="1187973995" sldId="258"/>
+        </pc:sldMkLst>
+      </pc:sldChg>
+      <pc:sldChg chg="modSp mod ord">
+        <pc:chgData name="vruchikapatil03@gmail.com" userId="1a4c2dc263dd09a2" providerId="LiveId" clId="{86E385A9-8AB4-448A-9CA5-0493E8D1F06D}" dt="2025-01-08T08:42:05.217" v="827" actId="20577"/>
+        <pc:sldMkLst>
+          <pc:docMk/>
+          <pc:sldMk cId="1797796690" sldId="259"/>
+        </pc:sldMkLst>
+        <pc:spChg chg="mod">
+          <ac:chgData name="vruchikapatil03@gmail.com" userId="1a4c2dc263dd09a2" providerId="LiveId" clId="{86E385A9-8AB4-448A-9CA5-0493E8D1F06D}" dt="2025-01-08T08:42:05.217" v="827" actId="20577"/>
+          <ac:spMkLst>
+            <pc:docMk/>
+            <pc:sldMk cId="1797796690" sldId="259"/>
+            <ac:spMk id="3" creationId="{2DB204C9-32C8-4FA1-D1DB-B88A71240A06}"/>
+          </ac:spMkLst>
+        </pc:spChg>
+      </pc:sldChg>
+      <pc:sldChg chg="addSp delSp modSp mod ord">
+        <pc:chgData name="vruchikapatil03@gmail.com" userId="1a4c2dc263dd09a2" providerId="LiveId" clId="{86E385A9-8AB4-448A-9CA5-0493E8D1F06D}" dt="2025-01-07T07:07:44.001" v="443"/>
+        <pc:sldMkLst>
+          <pc:docMk/>
+          <pc:sldMk cId="1319685150" sldId="263"/>
+        </pc:sldMkLst>
+        <pc:spChg chg="add del mod">
+          <ac:chgData name="vruchikapatil03@gmail.com" userId="1a4c2dc263dd09a2" providerId="LiveId" clId="{86E385A9-8AB4-448A-9CA5-0493E8D1F06D}" dt="2025-01-07T06:41:35.304" v="189"/>
+          <ac:spMkLst>
+            <pc:docMk/>
+            <pc:sldMk cId="1319685150" sldId="263"/>
+            <ac:spMk id="4" creationId="{491CEF80-D52D-4FFA-CBF3-13BBF72A5D3C}"/>
+          </ac:spMkLst>
+        </pc:spChg>
+        <pc:spChg chg="add del mod">
+          <ac:chgData name="vruchikapatil03@gmail.com" userId="1a4c2dc263dd09a2" providerId="LiveId" clId="{86E385A9-8AB4-448A-9CA5-0493E8D1F06D}" dt="2025-01-07T06:45:50.816" v="197" actId="931"/>
+          <ac:spMkLst>
+            <pc:docMk/>
+            <pc:sldMk cId="1319685150" sldId="263"/>
+            <ac:spMk id="8" creationId="{6A37C83C-2DC4-6852-7047-0ECF50CD5C41}"/>
+          </ac:spMkLst>
+        </pc:spChg>
+        <pc:spChg chg="add del mod">
+          <ac:chgData name="vruchikapatil03@gmail.com" userId="1a4c2dc263dd09a2" providerId="LiveId" clId="{86E385A9-8AB4-448A-9CA5-0493E8D1F06D}" dt="2025-01-07T06:46:16.541" v="203" actId="478"/>
+          <ac:spMkLst>
+            <pc:docMk/>
+            <pc:sldMk cId="1319685150" sldId="263"/>
+            <ac:spMk id="12" creationId="{C8DEE57C-36ED-7755-873A-237A1BF1628F}"/>
+          </ac:spMkLst>
+        </pc:spChg>
+        <pc:spChg chg="add del mod">
+          <ac:chgData name="vruchikapatil03@gmail.com" userId="1a4c2dc263dd09a2" providerId="LiveId" clId="{86E385A9-8AB4-448A-9CA5-0493E8D1F06D}" dt="2025-01-07T06:47:04.993" v="206"/>
+          <ac:spMkLst>
+            <pc:docMk/>
+            <pc:sldMk cId="1319685150" sldId="263"/>
+            <ac:spMk id="14" creationId="{3C3E946B-DD8F-D2D4-DAD2-2B63620BBEA9}"/>
+          </ac:spMkLst>
+        </pc:spChg>
+        <pc:spChg chg="add del mod">
+          <ac:chgData name="vruchikapatil03@gmail.com" userId="1a4c2dc263dd09a2" providerId="LiveId" clId="{86E385A9-8AB4-448A-9CA5-0493E8D1F06D}" dt="2025-01-07T06:49:35.756" v="226" actId="931"/>
+          <ac:spMkLst>
+            <pc:docMk/>
+            <pc:sldMk cId="1319685150" sldId="263"/>
+            <ac:spMk id="17" creationId="{9F5DE87B-BE98-DD3A-E241-06578AA2B643}"/>
+          </ac:spMkLst>
+        </pc:spChg>
+        <pc:picChg chg="del">
+          <ac:chgData name="vruchikapatil03@gmail.com" userId="1a4c2dc263dd09a2" providerId="LiveId" clId="{86E385A9-8AB4-448A-9CA5-0493E8D1F06D}" dt="2025-01-07T06:41:30.011" v="188" actId="478"/>
+          <ac:picMkLst>
+            <pc:docMk/>
+            <pc:sldMk cId="1319685150" sldId="263"/>
+            <ac:picMk id="5" creationId="{BF028941-2FC7-00A6-A75E-36310AF46D4F}"/>
+          </ac:picMkLst>
+        </pc:picChg>
+        <pc:picChg chg="add del mod">
+          <ac:chgData name="vruchikapatil03@gmail.com" userId="1a4c2dc263dd09a2" providerId="LiveId" clId="{86E385A9-8AB4-448A-9CA5-0493E8D1F06D}" dt="2025-01-07T06:45:35.280" v="196" actId="478"/>
+          <ac:picMkLst>
+            <pc:docMk/>
+            <pc:sldMk cId="1319685150" sldId="263"/>
+            <ac:picMk id="6" creationId="{0F96ABF4-21F1-DAFB-7F65-2E39ED9C9D4D}"/>
+          </ac:picMkLst>
+        </pc:picChg>
+        <pc:picChg chg="add del mod">
+          <ac:chgData name="vruchikapatil03@gmail.com" userId="1a4c2dc263dd09a2" providerId="LiveId" clId="{86E385A9-8AB4-448A-9CA5-0493E8D1F06D}" dt="2025-01-07T06:46:57.979" v="205" actId="478"/>
+          <ac:picMkLst>
+            <pc:docMk/>
+            <pc:sldMk cId="1319685150" sldId="263"/>
+            <ac:picMk id="10" creationId="{651FC0A1-B0DF-B0BF-68FE-BB526E0C8E2D}"/>
+          </ac:picMkLst>
+        </pc:picChg>
+        <pc:picChg chg="add del mod">
+          <ac:chgData name="vruchikapatil03@gmail.com" userId="1a4c2dc263dd09a2" providerId="LiveId" clId="{86E385A9-8AB4-448A-9CA5-0493E8D1F06D}" dt="2025-01-07T06:49:25.330" v="225" actId="478"/>
+          <ac:picMkLst>
+            <pc:docMk/>
+            <pc:sldMk cId="1319685150" sldId="263"/>
+            <ac:picMk id="15" creationId="{491131C2-42B3-673F-5BD8-F5A44564E46F}"/>
+          </ac:picMkLst>
+        </pc:picChg>
+        <pc:picChg chg="add mod">
+          <ac:chgData name="vruchikapatil03@gmail.com" userId="1a4c2dc263dd09a2" providerId="LiveId" clId="{86E385A9-8AB4-448A-9CA5-0493E8D1F06D}" dt="2025-01-07T06:50:10.304" v="232" actId="14100"/>
+          <ac:picMkLst>
+            <pc:docMk/>
+            <pc:sldMk cId="1319685150" sldId="263"/>
+            <ac:picMk id="19" creationId="{C11EA695-4660-9D00-C79B-9EF04E7036FD}"/>
+          </ac:picMkLst>
+        </pc:picChg>
+      </pc:sldChg>
+      <pc:sldChg chg="modSp new mod">
+        <pc:chgData name="vruchikapatil03@gmail.com" userId="1a4c2dc263dd09a2" providerId="LiveId" clId="{86E385A9-8AB4-448A-9CA5-0493E8D1F06D}" dt="2025-01-06T15:06:42.337" v="25" actId="255"/>
+        <pc:sldMkLst>
+          <pc:docMk/>
+          <pc:sldMk cId="592948839" sldId="273"/>
+        </pc:sldMkLst>
+      </pc:sldChg>
+      <pc:sldChg chg="modSp new mod">
+        <pc:chgData name="vruchikapatil03@gmail.com" userId="1a4c2dc263dd09a2" providerId="LiveId" clId="{86E385A9-8AB4-448A-9CA5-0493E8D1F06D}" dt="2025-01-08T08:33:21.694" v="780" actId="20577"/>
+        <pc:sldMkLst>
+          <pc:docMk/>
+          <pc:sldMk cId="195198662" sldId="274"/>
+        </pc:sldMkLst>
+        <pc:spChg chg="mod">
+          <ac:chgData name="vruchikapatil03@gmail.com" userId="1a4c2dc263dd09a2" providerId="LiveId" clId="{86E385A9-8AB4-448A-9CA5-0493E8D1F06D}" dt="2025-01-06T16:02:11.317" v="47" actId="2711"/>
+          <ac:spMkLst>
+            <pc:docMk/>
+            <pc:sldMk cId="195198662" sldId="274"/>
+            <ac:spMk id="2" creationId="{0F856FF9-0AC2-F48D-EDB2-E34D1BAC7B70}"/>
+          </ac:spMkLst>
+        </pc:spChg>
+        <pc:spChg chg="mod">
+          <ac:chgData name="vruchikapatil03@gmail.com" userId="1a4c2dc263dd09a2" providerId="LiveId" clId="{86E385A9-8AB4-448A-9CA5-0493E8D1F06D}" dt="2025-01-08T08:33:21.694" v="780" actId="20577"/>
+          <ac:spMkLst>
+            <pc:docMk/>
+            <pc:sldMk cId="195198662" sldId="274"/>
+            <ac:spMk id="3" creationId="{8738DF94-EC77-ED79-303C-BDB708B382CB}"/>
+          </ac:spMkLst>
+        </pc:spChg>
+      </pc:sldChg>
+      <pc:sldChg chg="modSp mod">
+        <pc:chgData name="vruchikapatil03@gmail.com" userId="1a4c2dc263dd09a2" providerId="LiveId" clId="{86E385A9-8AB4-448A-9CA5-0493E8D1F06D}" dt="2025-01-08T08:34:45.404" v="813" actId="20577"/>
+        <pc:sldMkLst>
+          <pc:docMk/>
+          <pc:sldMk cId="255426180" sldId="275"/>
+        </pc:sldMkLst>
+        <pc:spChg chg="mod">
+          <ac:chgData name="vruchikapatil03@gmail.com" userId="1a4c2dc263dd09a2" providerId="LiveId" clId="{86E385A9-8AB4-448A-9CA5-0493E8D1F06D}" dt="2025-01-08T08:34:45.404" v="813" actId="20577"/>
+          <ac:spMkLst>
+            <pc:docMk/>
+            <pc:sldMk cId="255426180" sldId="275"/>
+            <ac:spMk id="3" creationId="{AD1817B6-1765-9C62-B59A-5B3EEB213446}"/>
+          </ac:spMkLst>
+        </pc:spChg>
+      </pc:sldChg>
+      <pc:sldChg chg="modSp mod">
+        <pc:chgData name="vruchikapatil03@gmail.com" userId="1a4c2dc263dd09a2" providerId="LiveId" clId="{86E385A9-8AB4-448A-9CA5-0493E8D1F06D}" dt="2025-01-07T08:20:07.558" v="733" actId="255"/>
+        <pc:sldMkLst>
+          <pc:docMk/>
+          <pc:sldMk cId="2093808930" sldId="276"/>
+        </pc:sldMkLst>
+        <pc:spChg chg="mod">
+          <ac:chgData name="vruchikapatil03@gmail.com" userId="1a4c2dc263dd09a2" providerId="LiveId" clId="{86E385A9-8AB4-448A-9CA5-0493E8D1F06D}" dt="2025-01-07T08:20:07.558" v="733" actId="255"/>
+          <ac:spMkLst>
+            <pc:docMk/>
+            <pc:sldMk cId="2093808930" sldId="276"/>
+            <ac:spMk id="2" creationId="{96DF0CD5-EC67-A011-C8D6-71772DACA4A1}"/>
+          </ac:spMkLst>
+        </pc:spChg>
+      </pc:sldChg>
+      <pc:sldChg chg="modSp new mod">
+        <pc:chgData name="vruchikapatil03@gmail.com" userId="1a4c2dc263dd09a2" providerId="LiveId" clId="{86E385A9-8AB4-448A-9CA5-0493E8D1F06D}" dt="2025-01-07T06:37:24.632" v="180" actId="2711"/>
+        <pc:sldMkLst>
+          <pc:docMk/>
+          <pc:sldMk cId="3388312552" sldId="277"/>
+        </pc:sldMkLst>
+        <pc:spChg chg="mod">
+          <ac:chgData name="vruchikapatil03@gmail.com" userId="1a4c2dc263dd09a2" providerId="LiveId" clId="{86E385A9-8AB4-448A-9CA5-0493E8D1F06D}" dt="2025-01-07T06:36:41.792" v="176" actId="14100"/>
+          <ac:spMkLst>
+            <pc:docMk/>
+            <pc:sldMk cId="3388312552" sldId="277"/>
+            <ac:spMk id="2" creationId="{DA7249BC-F022-F94D-B983-9F11A84B6686}"/>
+          </ac:spMkLst>
+        </pc:spChg>
+        <pc:spChg chg="mod">
+          <ac:chgData name="vruchikapatil03@gmail.com" userId="1a4c2dc263dd09a2" providerId="LiveId" clId="{86E385A9-8AB4-448A-9CA5-0493E8D1F06D}" dt="2025-01-07T06:37:24.632" v="180" actId="2711"/>
+          <ac:spMkLst>
+            <pc:docMk/>
+            <pc:sldMk cId="3388312552" sldId="277"/>
+            <ac:spMk id="3" creationId="{DD94067F-6C62-1AA7-7F06-FDAB16CD2511}"/>
+          </ac:spMkLst>
+        </pc:spChg>
+      </pc:sldChg>
+      <pc:sldChg chg="modSp new mod">
+        <pc:chgData name="vruchikapatil03@gmail.com" userId="1a4c2dc263dd09a2" providerId="LiveId" clId="{86E385A9-8AB4-448A-9CA5-0493E8D1F06D}" dt="2025-01-07T07:06:59.156" v="441" actId="20577"/>
+        <pc:sldMkLst>
+          <pc:docMk/>
+          <pc:sldMk cId="1007928583" sldId="278"/>
+        </pc:sldMkLst>
+        <pc:spChg chg="mod">
+          <ac:chgData name="vruchikapatil03@gmail.com" userId="1a4c2dc263dd09a2" providerId="LiveId" clId="{86E385A9-8AB4-448A-9CA5-0493E8D1F06D}" dt="2025-01-07T07:06:59.156" v="441" actId="20577"/>
+          <ac:spMkLst>
+            <pc:docMk/>
+            <pc:sldMk cId="1007928583" sldId="278"/>
+            <ac:spMk id="2" creationId="{E3E42A6B-774D-B258-D7C8-2848F30CDD2C}"/>
+          </ac:spMkLst>
+        </pc:spChg>
+        <pc:spChg chg="mod">
+          <ac:chgData name="vruchikapatil03@gmail.com" userId="1a4c2dc263dd09a2" providerId="LiveId" clId="{86E385A9-8AB4-448A-9CA5-0493E8D1F06D}" dt="2025-01-07T07:06:24.733" v="434" actId="255"/>
+          <ac:spMkLst>
+            <pc:docMk/>
+            <pc:sldMk cId="1007928583" sldId="278"/>
+            <ac:spMk id="3" creationId="{82C999D5-2F99-85B0-764E-6A521F41B98C}"/>
+          </ac:spMkLst>
+        </pc:spChg>
+      </pc:sldChg>
+      <pc:sldChg chg="new del">
+        <pc:chgData name="vruchikapatil03@gmail.com" userId="1a4c2dc263dd09a2" providerId="LiveId" clId="{86E385A9-8AB4-448A-9CA5-0493E8D1F06D}" dt="2025-01-07T06:51:07.277" v="234" actId="47"/>
+        <pc:sldMkLst>
+          <pc:docMk/>
+          <pc:sldMk cId="3682334747" sldId="278"/>
+        </pc:sldMkLst>
+      </pc:sldChg>
+      <pc:sldChg chg="addSp delSp modSp new del mod">
+        <pc:chgData name="vruchikapatil03@gmail.com" userId="1a4c2dc263dd09a2" providerId="LiveId" clId="{86E385A9-8AB4-448A-9CA5-0493E8D1F06D}" dt="2025-01-07T06:51:06.308" v="233" actId="47"/>
+        <pc:sldMkLst>
+          <pc:docMk/>
+          <pc:sldMk cId="807482453" sldId="279"/>
+        </pc:sldMkLst>
+        <pc:spChg chg="del">
+          <ac:chgData name="vruchikapatil03@gmail.com" userId="1a4c2dc263dd09a2" providerId="LiveId" clId="{86E385A9-8AB4-448A-9CA5-0493E8D1F06D}" dt="2025-01-07T06:40:57.474" v="183"/>
+          <ac:spMkLst>
+            <pc:docMk/>
+            <pc:sldMk cId="807482453" sldId="279"/>
+            <ac:spMk id="3" creationId="{6CAFE590-E312-1905-6681-02D31F9E7349}"/>
+          </ac:spMkLst>
+        </pc:spChg>
+        <pc:spChg chg="add mod">
+          <ac:chgData name="vruchikapatil03@gmail.com" userId="1a4c2dc263dd09a2" providerId="LiveId" clId="{86E385A9-8AB4-448A-9CA5-0493E8D1F06D}" dt="2025-01-07T06:41:23.630" v="187" actId="21"/>
+          <ac:spMkLst>
+            <pc:docMk/>
+            <pc:sldMk cId="807482453" sldId="279"/>
+            <ac:spMk id="6" creationId="{8B8DE5F7-A99C-C872-8A9E-F2F6E961E551}"/>
+          </ac:spMkLst>
+        </pc:spChg>
+        <pc:picChg chg="add del mod">
+          <ac:chgData name="vruchikapatil03@gmail.com" userId="1a4c2dc263dd09a2" providerId="LiveId" clId="{86E385A9-8AB4-448A-9CA5-0493E8D1F06D}" dt="2025-01-07T06:41:23.630" v="187" actId="21"/>
+          <ac:picMkLst>
+            <pc:docMk/>
+            <pc:sldMk cId="807482453" sldId="279"/>
+            <ac:picMk id="4" creationId="{1BF4850F-0973-8E92-8329-D4383721B644}"/>
+          </ac:picMkLst>
+        </pc:picChg>
+      </pc:sldChg>
+      <pc:sldChg chg="addSp delSp modSp new mod setBg">
+        <pc:chgData name="vruchikapatil03@gmail.com" userId="1a4c2dc263dd09a2" providerId="LiveId" clId="{86E385A9-8AB4-448A-9CA5-0493E8D1F06D}" dt="2025-01-07T08:18:47.141" v="728"/>
+        <pc:sldMkLst>
+          <pc:docMk/>
+          <pc:sldMk cId="2817448908" sldId="279"/>
+        </pc:sldMkLst>
+        <pc:spChg chg="mod">
+          <ac:chgData name="vruchikapatil03@gmail.com" userId="1a4c2dc263dd09a2" providerId="LiveId" clId="{86E385A9-8AB4-448A-9CA5-0493E8D1F06D}" dt="2025-01-07T08:16:30.837" v="649" actId="14100"/>
+          <ac:spMkLst>
+            <pc:docMk/>
+            <pc:sldMk cId="2817448908" sldId="279"/>
+            <ac:spMk id="2" creationId="{D9249880-68B2-A1E9-84AB-AE00A0B4233C}"/>
+          </ac:spMkLst>
+        </pc:spChg>
+        <pc:picChg chg="add del mod">
+          <ac:chgData name="vruchikapatil03@gmail.com" userId="1a4c2dc263dd09a2" providerId="LiveId" clId="{86E385A9-8AB4-448A-9CA5-0493E8D1F06D}" dt="2025-01-07T08:13:54.686" v="620" actId="478"/>
+          <ac:picMkLst>
+            <pc:docMk/>
+            <pc:sldMk cId="2817448908" sldId="279"/>
+            <ac:picMk id="4" creationId="{084A6C59-8C75-DA3E-F6C6-0B2656ADCFBF}"/>
+          </ac:picMkLst>
+        </pc:picChg>
+      </pc:sldChg>
+      <pc:sldChg chg="addSp modSp new del">
+        <pc:chgData name="vruchikapatil03@gmail.com" userId="1a4c2dc263dd09a2" providerId="LiveId" clId="{86E385A9-8AB4-448A-9CA5-0493E8D1F06D}" dt="2025-01-07T08:11:04.056" v="596" actId="47"/>
+        <pc:sldMkLst>
+          <pc:docMk/>
+          <pc:sldMk cId="2594723383" sldId="280"/>
+        </pc:sldMkLst>
+        <pc:picChg chg="add mod">
+          <ac:chgData name="vruchikapatil03@gmail.com" userId="1a4c2dc263dd09a2" providerId="LiveId" clId="{86E385A9-8AB4-448A-9CA5-0493E8D1F06D}" dt="2025-01-07T08:10:59.121" v="595" actId="931"/>
+          <ac:picMkLst>
+            <pc:docMk/>
+            <pc:sldMk cId="2594723383" sldId="280"/>
+            <ac:picMk id="3" creationId="{97450661-F205-941B-8C4D-4C7F05302202}"/>
+          </ac:picMkLst>
+        </pc:picChg>
+      </pc:sldChg>
+      <pc:sldChg chg="new del">
+        <pc:chgData name="vruchikapatil03@gmail.com" userId="1a4c2dc263dd09a2" providerId="LiveId" clId="{86E385A9-8AB4-448A-9CA5-0493E8D1F06D}" dt="2025-01-07T08:18:59.991" v="729" actId="47"/>
+        <pc:sldMkLst>
+          <pc:docMk/>
+          <pc:sldMk cId="3234951512" sldId="280"/>
+        </pc:sldMkLst>
+      </pc:sldChg>
+      <pc:sldMasterChg chg="setBg modSldLayout">
+        <pc:chgData name="vruchikapatil03@gmail.com" userId="1a4c2dc263dd09a2" providerId="LiveId" clId="{86E385A9-8AB4-448A-9CA5-0493E8D1F06D}" dt="2025-01-07T08:18:29.001" v="717"/>
+        <pc:sldMasterMkLst>
+          <pc:docMk/>
+          <pc:sldMasterMk cId="0" sldId="2147483648"/>
+        </pc:sldMasterMkLst>
+        <pc:sldLayoutChg chg="setBg">
+          <pc:chgData name="vruchikapatil03@gmail.com" userId="1a4c2dc263dd09a2" providerId="LiveId" clId="{86E385A9-8AB4-448A-9CA5-0493E8D1F06D}" dt="2025-01-07T08:18:29.001" v="717"/>
+          <pc:sldLayoutMkLst>
+            <pc:docMk/>
+            <pc:sldMasterMk cId="0" sldId="2147483648"/>
+            <pc:sldLayoutMk cId="0" sldId="2147483649"/>
+          </pc:sldLayoutMkLst>
+        </pc:sldLayoutChg>
+        <pc:sldLayoutChg chg="setBg">
+          <pc:chgData name="vruchikapatil03@gmail.com" userId="1a4c2dc263dd09a2" providerId="LiveId" clId="{86E385A9-8AB4-448A-9CA5-0493E8D1F06D}" dt="2025-01-07T08:18:29.001" v="717"/>
+          <pc:sldLayoutMkLst>
+            <pc:docMk/>
+            <pc:sldMasterMk cId="0" sldId="2147483648"/>
+            <pc:sldLayoutMk cId="0" sldId="2147483650"/>
+          </pc:sldLayoutMkLst>
+        </pc:sldLayoutChg>
+        <pc:sldLayoutChg chg="setBg">
+          <pc:chgData name="vruchikapatil03@gmail.com" userId="1a4c2dc263dd09a2" providerId="LiveId" clId="{86E385A9-8AB4-448A-9CA5-0493E8D1F06D}" dt="2025-01-07T08:18:29.001" v="717"/>
+          <pc:sldLayoutMkLst>
+            <pc:docMk/>
+            <pc:sldMasterMk cId="0" sldId="2147483648"/>
+            <pc:sldLayoutMk cId="0" sldId="2147483651"/>
+          </pc:sldLayoutMkLst>
+        </pc:sldLayoutChg>
+        <pc:sldLayoutChg chg="setBg">
+          <pc:chgData name="vruchikapatil03@gmail.com" userId="1a4c2dc263dd09a2" providerId="LiveId" clId="{86E385A9-8AB4-448A-9CA5-0493E8D1F06D}" dt="2025-01-07T08:18:29.001" v="717"/>
+          <pc:sldLayoutMkLst>
+            <pc:docMk/>
+            <pc:sldMasterMk cId="0" sldId="2147483648"/>
+            <pc:sldLayoutMk cId="0" sldId="2147483652"/>
+          </pc:sldLayoutMkLst>
+        </pc:sldLayoutChg>
+        <pc:sldLayoutChg chg="setBg">
+          <pc:chgData name="vruchikapatil03@gmail.com" userId="1a4c2dc263dd09a2" providerId="LiveId" clId="{86E385A9-8AB4-448A-9CA5-0493E8D1F06D}" dt="2025-01-07T08:18:29.001" v="717"/>
+          <pc:sldLayoutMkLst>
+            <pc:docMk/>
+            <pc:sldMasterMk cId="0" sldId="2147483648"/>
+            <pc:sldLayoutMk cId="0" sldId="2147483653"/>
+          </pc:sldLayoutMkLst>
+        </pc:sldLayoutChg>
+        <pc:sldLayoutChg chg="setBg">
+          <pc:chgData name="vruchikapatil03@gmail.com" userId="1a4c2dc263dd09a2" providerId="LiveId" clId="{86E385A9-8AB4-448A-9CA5-0493E8D1F06D}" dt="2025-01-07T08:18:29.001" v="717"/>
+          <pc:sldLayoutMkLst>
+            <pc:docMk/>
+            <pc:sldMasterMk cId="0" sldId="2147483648"/>
+            <pc:sldLayoutMk cId="0" sldId="2147483654"/>
+          </pc:sldLayoutMkLst>
+        </pc:sldLayoutChg>
+        <pc:sldLayoutChg chg="setBg">
+          <pc:chgData name="vruchikapatil03@gmail.com" userId="1a4c2dc263dd09a2" providerId="LiveId" clId="{86E385A9-8AB4-448A-9CA5-0493E8D1F06D}" dt="2025-01-07T08:18:29.001" v="717"/>
+          <pc:sldLayoutMkLst>
+            <pc:docMk/>
+            <pc:sldMasterMk cId="0" sldId="2147483648"/>
+            <pc:sldLayoutMk cId="0" sldId="2147483655"/>
+          </pc:sldLayoutMkLst>
+        </pc:sldLayoutChg>
+        <pc:sldLayoutChg chg="setBg">
+          <pc:chgData name="vruchikapatil03@gmail.com" userId="1a4c2dc263dd09a2" providerId="LiveId" clId="{86E385A9-8AB4-448A-9CA5-0493E8D1F06D}" dt="2025-01-07T08:18:29.001" v="717"/>
+          <pc:sldLayoutMkLst>
+            <pc:docMk/>
+            <pc:sldMasterMk cId="0" sldId="2147483648"/>
+            <pc:sldLayoutMk cId="0" sldId="2147483656"/>
+          </pc:sldLayoutMkLst>
+        </pc:sldLayoutChg>
+        <pc:sldLayoutChg chg="setBg">
+          <pc:chgData name="vruchikapatil03@gmail.com" userId="1a4c2dc263dd09a2" providerId="LiveId" clId="{86E385A9-8AB4-448A-9CA5-0493E8D1F06D}" dt="2025-01-07T08:18:29.001" v="717"/>
+          <pc:sldLayoutMkLst>
+            <pc:docMk/>
+            <pc:sldMasterMk cId="0" sldId="2147483648"/>
+            <pc:sldLayoutMk cId="0" sldId="2147483657"/>
+          </pc:sldLayoutMkLst>
+        </pc:sldLayoutChg>
+        <pc:sldLayoutChg chg="setBg">
+          <pc:chgData name="vruchikapatil03@gmail.com" userId="1a4c2dc263dd09a2" providerId="LiveId" clId="{86E385A9-8AB4-448A-9CA5-0493E8D1F06D}" dt="2025-01-07T08:18:29.001" v="717"/>
+          <pc:sldLayoutMkLst>
+            <pc:docMk/>
+            <pc:sldMasterMk cId="0" sldId="2147483648"/>
+            <pc:sldLayoutMk cId="0" sldId="2147483658"/>
+          </pc:sldLayoutMkLst>
+        </pc:sldLayoutChg>
+        <pc:sldLayoutChg chg="setBg">
+          <pc:chgData name="vruchikapatil03@gmail.com" userId="1a4c2dc263dd09a2" providerId="LiveId" clId="{86E385A9-8AB4-448A-9CA5-0493E8D1F06D}" dt="2025-01-07T08:18:29.001" v="717"/>
+          <pc:sldLayoutMkLst>
+            <pc:docMk/>
+            <pc:sldMasterMk cId="0" sldId="2147483648"/>
+            <pc:sldLayoutMk cId="0" sldId="2147483659"/>
+          </pc:sldLayoutMkLst>
+        </pc:sldLayoutChg>
+        <pc:sldLayoutChg chg="setBg">
+          <pc:chgData name="vruchikapatil03@gmail.com" userId="1a4c2dc263dd09a2" providerId="LiveId" clId="{86E385A9-8AB4-448A-9CA5-0493E8D1F06D}" dt="2025-01-07T08:18:29.001" v="717"/>
+          <pc:sldLayoutMkLst>
+            <pc:docMk/>
+            <pc:sldMasterMk cId="0" sldId="2147483648"/>
+            <pc:sldLayoutMk cId="0" sldId="2147483660"/>
+          </pc:sldLayoutMkLst>
+        </pc:sldLayoutChg>
+        <pc:sldLayoutChg chg="setBg">
+          <pc:chgData name="vruchikapatil03@gmail.com" userId="1a4c2dc263dd09a2" providerId="LiveId" clId="{86E385A9-8AB4-448A-9CA5-0493E8D1F06D}" dt="2025-01-07T08:18:29.001" v="717"/>
+          <pc:sldLayoutMkLst>
+            <pc:docMk/>
+            <pc:sldMasterMk cId="0" sldId="2147483648"/>
+            <pc:sldLayoutMk cId="0" sldId="2147483663"/>
+          </pc:sldLayoutMkLst>
+        </pc:sldLayoutChg>
+        <pc:sldLayoutChg chg="setBg">
+          <pc:chgData name="vruchikapatil03@gmail.com" userId="1a4c2dc263dd09a2" providerId="LiveId" clId="{86E385A9-8AB4-448A-9CA5-0493E8D1F06D}" dt="2025-01-07T08:18:29.001" v="717"/>
+          <pc:sldLayoutMkLst>
+            <pc:docMk/>
+            <pc:sldMasterMk cId="0" sldId="2147483648"/>
+            <pc:sldLayoutMk cId="0" sldId="2147483664"/>
+          </pc:sldLayoutMkLst>
+        </pc:sldLayoutChg>
+        <pc:sldLayoutChg chg="setBg">
+          <pc:chgData name="vruchikapatil03@gmail.com" userId="1a4c2dc263dd09a2" providerId="LiveId" clId="{86E385A9-8AB4-448A-9CA5-0493E8D1F06D}" dt="2025-01-07T08:18:29.001" v="717"/>
+          <pc:sldLayoutMkLst>
+            <pc:docMk/>
+            <pc:sldMasterMk cId="0" sldId="2147483648"/>
+            <pc:sldLayoutMk cId="0" sldId="2147483665"/>
+          </pc:sldLayoutMkLst>
+        </pc:sldLayoutChg>
+        <pc:sldLayoutChg chg="setBg">
+          <pc:chgData name="vruchikapatil03@gmail.com" userId="1a4c2dc263dd09a2" providerId="LiveId" clId="{86E385A9-8AB4-448A-9CA5-0493E8D1F06D}" dt="2025-01-07T08:18:29.001" v="717"/>
+          <pc:sldLayoutMkLst>
+            <pc:docMk/>
+            <pc:sldMasterMk cId="0" sldId="2147483648"/>
+            <pc:sldLayoutMk cId="0" sldId="2147483666"/>
+          </pc:sldLayoutMkLst>
+        </pc:sldLayoutChg>
+        <pc:sldLayoutChg chg="setBg">
+          <pc:chgData name="vruchikapatil03@gmail.com" userId="1a4c2dc263dd09a2" providerId="LiveId" clId="{86E385A9-8AB4-448A-9CA5-0493E8D1F06D}" dt="2025-01-07T08:18:29.001" v="717"/>
+          <pc:sldLayoutMkLst>
+            <pc:docMk/>
+            <pc:sldMasterMk cId="0" sldId="2147483648"/>
+            <pc:sldLayoutMk cId="0" sldId="2147483667"/>
+          </pc:sldLayoutMkLst>
+        </pc:sldLayoutChg>
+      </pc:sldMasterChg>
+    </pc:docChg>
+  </pc:docChgLst>
+</pc:chgInfo>
 </file>
 
 <file path=ppt/slideLayouts/slideLayout1.xml><?xml version="1.0" encoding="utf-8"?>
@@ -627,7 +1094,7 @@
             <a:fld id="{B61BEF0D-F0BB-DE4B-95CE-6DB70DBA9567}" type="datetimeFigureOut">
               <a:rPr lang="en-US" dirty="0"/>
               <a:pPr/>
-              <a:t>1/5/2025</a:t>
+              <a:t>1/8/2025</a:t>
             </a:fld>
             <a:endParaRPr lang="en-US" dirty="0"/>
           </a:p>
@@ -920,7 +1387,7 @@
             <a:fld id="{B61BEF0D-F0BB-DE4B-95CE-6DB70DBA9567}" type="datetimeFigureOut">
               <a:rPr lang="en-US" dirty="0"/>
               <a:pPr/>
-              <a:t>1/5/2025</a:t>
+              <a:t>1/8/2025</a:t>
             </a:fld>
             <a:endParaRPr lang="en-US" dirty="0"/>
           </a:p>
@@ -1165,7 +1632,7 @@
             <a:fld id="{B61BEF0D-F0BB-DE4B-95CE-6DB70DBA9567}" type="datetimeFigureOut">
               <a:rPr lang="en-US" dirty="0"/>
               <a:pPr/>
-              <a:t>1/5/2025</a:t>
+              <a:t>1/8/2025</a:t>
             </a:fld>
             <a:endParaRPr lang="en-US" dirty="0"/>
           </a:p>
@@ -1702,7 +2169,7 @@
             <a:fld id="{B61BEF0D-F0BB-DE4B-95CE-6DB70DBA9567}" type="datetimeFigureOut">
               <a:rPr lang="en-US" dirty="0"/>
               <a:pPr/>
-              <a:t>1/5/2025</a:t>
+              <a:t>1/8/2025</a:t>
             </a:fld>
             <a:endParaRPr lang="en-US" dirty="0"/>
           </a:p>
@@ -1947,7 +2414,7 @@
             <a:fld id="{B61BEF0D-F0BB-DE4B-95CE-6DB70DBA9567}" type="datetimeFigureOut">
               <a:rPr lang="en-US" dirty="0"/>
               <a:pPr/>
-              <a:t>1/5/2025</a:t>
+              <a:t>1/8/2025</a:t>
             </a:fld>
             <a:endParaRPr lang="en-US" dirty="0"/>
           </a:p>
@@ -2476,7 +2943,7 @@
             <a:fld id="{B61BEF0D-F0BB-DE4B-95CE-6DB70DBA9567}" type="datetimeFigureOut">
               <a:rPr lang="en-US" dirty="0"/>
               <a:pPr/>
-              <a:t>1/5/2025</a:t>
+              <a:t>1/8/2025</a:t>
             </a:fld>
             <a:endParaRPr lang="en-US" dirty="0"/>
           </a:p>
@@ -2770,7 +3237,7 @@
             <a:fld id="{B61BEF0D-F0BB-DE4B-95CE-6DB70DBA9567}" type="datetimeFigureOut">
               <a:rPr lang="en-US" dirty="0"/>
               <a:pPr/>
-              <a:t>1/5/2025</a:t>
+              <a:t>1/8/2025</a:t>
             </a:fld>
             <a:endParaRPr lang="en-US" dirty="0"/>
           </a:p>
@@ -2941,7 +3408,7 @@
             <a:fld id="{B61BEF0D-F0BB-DE4B-95CE-6DB70DBA9567}" type="datetimeFigureOut">
               <a:rPr lang="en-US" dirty="0"/>
               <a:pPr/>
-              <a:t>1/5/2025</a:t>
+              <a:t>1/8/2025</a:t>
             </a:fld>
             <a:endParaRPr lang="en-US" dirty="0"/>
           </a:p>
@@ -3118,7 +3585,7 @@
             <a:fld id="{B61BEF0D-F0BB-DE4B-95CE-6DB70DBA9567}" type="datetimeFigureOut">
               <a:rPr lang="en-US" dirty="0"/>
               <a:pPr/>
-              <a:t>1/5/2025</a:t>
+              <a:t>1/8/2025</a:t>
             </a:fld>
             <a:endParaRPr lang="en-US" dirty="0"/>
           </a:p>
@@ -3285,7 +3752,7 @@
             <a:fld id="{B61BEF0D-F0BB-DE4B-95CE-6DB70DBA9567}" type="datetimeFigureOut">
               <a:rPr lang="en-US" dirty="0"/>
               <a:pPr/>
-              <a:t>1/5/2025</a:t>
+              <a:t>1/8/2025</a:t>
             </a:fld>
             <a:endParaRPr lang="en-US" dirty="0"/>
           </a:p>
@@ -3533,7 +4000,7 @@
             <a:fld id="{B61BEF0D-F0BB-DE4B-95CE-6DB70DBA9567}" type="datetimeFigureOut">
               <a:rPr lang="en-US" dirty="0"/>
               <a:pPr/>
-              <a:t>1/5/2025</a:t>
+              <a:t>1/8/2025</a:t>
             </a:fld>
             <a:endParaRPr lang="en-US" dirty="0"/>
           </a:p>
@@ -3827,7 +4294,7 @@
             <a:fld id="{B61BEF0D-F0BB-DE4B-95CE-6DB70DBA9567}" type="datetimeFigureOut">
               <a:rPr lang="en-US" dirty="0"/>
               <a:pPr/>
-              <a:t>1/5/2025</a:t>
+              <a:t>1/8/2025</a:t>
             </a:fld>
             <a:endParaRPr lang="en-US" dirty="0"/>
           </a:p>
@@ -4266,7 +4733,7 @@
             <a:fld id="{B61BEF0D-F0BB-DE4B-95CE-6DB70DBA9567}" type="datetimeFigureOut">
               <a:rPr lang="en-US" dirty="0"/>
               <a:pPr/>
-              <a:t>1/5/2025</a:t>
+              <a:t>1/8/2025</a:t>
             </a:fld>
             <a:endParaRPr lang="en-US" dirty="0"/>
           </a:p>
@@ -4381,7 +4848,7 @@
             <a:fld id="{B61BEF0D-F0BB-DE4B-95CE-6DB70DBA9567}" type="datetimeFigureOut">
               <a:rPr lang="en-US" dirty="0"/>
               <a:pPr/>
-              <a:t>1/5/2025</a:t>
+              <a:t>1/8/2025</a:t>
             </a:fld>
             <a:endParaRPr lang="en-US" dirty="0"/>
           </a:p>
@@ -4473,7 +4940,7 @@
             <a:fld id="{B61BEF0D-F0BB-DE4B-95CE-6DB70DBA9567}" type="datetimeFigureOut">
               <a:rPr lang="en-US" dirty="0"/>
               <a:pPr/>
-              <a:t>1/5/2025</a:t>
+              <a:t>1/8/2025</a:t>
             </a:fld>
             <a:endParaRPr lang="en-US" dirty="0"/>
           </a:p>
@@ -4753,7 +5220,7 @@
             <a:fld id="{B61BEF0D-F0BB-DE4B-95CE-6DB70DBA9567}" type="datetimeFigureOut">
               <a:rPr lang="en-US" dirty="0"/>
               <a:pPr/>
-              <a:t>1/5/2025</a:t>
+              <a:t>1/8/2025</a:t>
             </a:fld>
             <a:endParaRPr lang="en-US" dirty="0"/>
           </a:p>
@@ -5041,7 +5508,7 @@
             <a:fld id="{B61BEF0D-F0BB-DE4B-95CE-6DB70DBA9567}" type="datetimeFigureOut">
               <a:rPr lang="en-US" dirty="0"/>
               <a:pPr/>
-              <a:t>1/5/2025</a:t>
+              <a:t>1/8/2025</a:t>
             </a:fld>
             <a:endParaRPr lang="en-US" dirty="0"/>
           </a:p>
@@ -5568,7 +6035,7 @@
             <a:fld id="{B61BEF0D-F0BB-DE4B-95CE-6DB70DBA9567}" type="datetimeFigureOut">
               <a:rPr lang="en-US" dirty="0"/>
               <a:pPr/>
-              <a:t>1/5/2025</a:t>
+              <a:t>1/8/2025</a:t>
             </a:fld>
             <a:endParaRPr lang="en-US" dirty="0"/>
           </a:p>
@@ -6081,6 +6548,20 @@
 <file path=ppt/slides/slide1.xml><?xml version="1.0" encoding="utf-8"?>
 <p:sld xmlns:a="http://schemas.openxmlformats.org/drawingml/2006/main" xmlns:r="http://schemas.openxmlformats.org/officeDocument/2006/relationships" xmlns:p="http://schemas.openxmlformats.org/presentationml/2006/main">
   <p:cSld>
+    <p:bg>
+      <p:bgPr>
+        <a:blipFill dpi="0" rotWithShape="1">
+          <a:blip r:embed="rId2">
+            <a:lum/>
+          </a:blip>
+          <a:srcRect/>
+          <a:stretch>
+            <a:fillRect l="46000" t="-83000" b="-83000"/>
+          </a:stretch>
+        </a:blipFill>
+        <a:effectLst/>
+      </p:bgPr>
+    </p:bg>
     <p:spTree>
       <p:nvGrpSpPr>
         <p:cNvPr id="1" name=""/>
@@ -6148,6 +6629,21 @@
 <file path=ppt/slides/slide10.xml><?xml version="1.0" encoding="utf-8"?>
 <p:sld xmlns:a="http://schemas.openxmlformats.org/drawingml/2006/main" xmlns:r="http://schemas.openxmlformats.org/officeDocument/2006/relationships" xmlns:p="http://schemas.openxmlformats.org/presentationml/2006/main">
   <p:cSld>
+    <p:bg>
+      <p:bgPr>
+        <a:blipFill dpi="0" rotWithShape="1">
+          <a:blip r:embed="rId2">
+            <a:alphaModFix amt="71000"/>
+            <a:lum/>
+          </a:blip>
+          <a:srcRect/>
+          <a:stretch>
+            <a:fillRect t="-83000" b="-83000"/>
+          </a:stretch>
+        </a:blipFill>
+        <a:effectLst/>
+      </p:bgPr>
+    </p:bg>
     <p:spTree>
       <p:nvGrpSpPr>
         <p:cNvPr id="1" name=""/>
@@ -6167,7 +6663,7 @@
           <p:cNvPr id="2" name="Title 1">
             <a:extLst>
               <a:ext uri="{FF2B5EF4-FFF2-40B4-BE49-F238E27FC236}">
-                <a16:creationId xmlns:a16="http://schemas.microsoft.com/office/drawing/2014/main" id="{D0EB144D-03D4-65FE-2F99-0451C4BE3B32}"/>
+                <a16:creationId xmlns:a16="http://schemas.microsoft.com/office/drawing/2014/main" id="{D9249880-68B2-A1E9-84AB-AE00A0B4233C}"/>
               </a:ext>
             </a:extLst>
           </p:cNvPr>
@@ -6180,8 +6676,8 @@
         </p:nvSpPr>
         <p:spPr>
           <a:xfrm>
-            <a:off x="1484311" y="132522"/>
-            <a:ext cx="10018713" cy="1139687"/>
+            <a:off x="956604" y="928468"/>
+            <a:ext cx="10724120" cy="4726744"/>
           </a:xfrm>
         </p:spPr>
         <p:txBody>
@@ -6191,1632 +6687,18 @@
           <a:lstStyle/>
           <a:p>
             <a:r>
-              <a:rPr lang="en-GB" sz="4000" dirty="0">
+              <a:rPr lang="en-GB" sz="4800" dirty="0">
                 <a:latin typeface="Arial Black" panose="020B0A04020102020204" pitchFamily="34" charset="0"/>
               </a:rPr>
-              <a:t>DATABASE DESIGN</a:t>
-            </a:r>
-            <a:endParaRPr lang="en-GB" dirty="0"/>
-          </a:p>
-        </p:txBody>
-      </p:sp>
-      <p:sp>
-        <p:nvSpPr>
-          <p:cNvPr id="3" name="Content Placeholder 2">
-            <a:extLst>
-              <a:ext uri="{FF2B5EF4-FFF2-40B4-BE49-F238E27FC236}">
-                <a16:creationId xmlns:a16="http://schemas.microsoft.com/office/drawing/2014/main" id="{4B7DC6F7-31C8-6F41-E786-0E45B67B13B6}"/>
-              </a:ext>
-            </a:extLst>
-          </p:cNvPr>
-          <p:cNvSpPr>
-            <a:spLocks noGrp="1"/>
-          </p:cNvSpPr>
-          <p:nvPr>
-            <p:ph idx="1"/>
-          </p:nvPr>
-        </p:nvSpPr>
-        <p:spPr>
-          <a:xfrm>
-            <a:off x="1484310" y="1126435"/>
-            <a:ext cx="10018713" cy="2862469"/>
-          </a:xfrm>
-        </p:spPr>
-        <p:txBody>
-          <a:bodyPr/>
-          <a:lstStyle/>
-          <a:p>
-            <a:pPr marL="0" indent="0">
-              <a:buNone/>
-            </a:pPr>
-            <a:r>
-              <a:rPr lang="en-GB" b="1" dirty="0"/>
-              <a:t>2</a:t>
-            </a:r>
-            <a:r>
-              <a:rPr lang="en-GB" dirty="0"/>
-              <a:t>.</a:t>
-            </a:r>
-            <a:r>
-              <a:rPr lang="en-GB" b="1" dirty="0"/>
-              <a:t>Category</a:t>
-            </a:r>
-            <a:r>
-              <a:rPr lang="en-GB" dirty="0"/>
-              <a:t> :-</a:t>
-            </a:r>
-          </a:p>
-        </p:txBody>
-      </p:sp>
-      <p:graphicFrame>
-        <p:nvGraphicFramePr>
-          <p:cNvPr id="4" name="Table 3">
-            <a:extLst>
-              <a:ext uri="{FF2B5EF4-FFF2-40B4-BE49-F238E27FC236}">
-                <a16:creationId xmlns:a16="http://schemas.microsoft.com/office/drawing/2014/main" id="{BCBD675C-1387-EBB9-B08A-ADF4736682F0}"/>
-              </a:ext>
-            </a:extLst>
-          </p:cNvPr>
-          <p:cNvGraphicFramePr>
-            <a:graphicFrameLocks noGrp="1"/>
-          </p:cNvGraphicFramePr>
-          <p:nvPr>
-            <p:extLst>
-              <p:ext uri="{D42A27DB-BD31-4B8C-83A1-F6EECF244321}">
-                <p14:modId xmlns:p14="http://schemas.microsoft.com/office/powerpoint/2010/main" val="4013107572"/>
-              </p:ext>
-            </p:extLst>
-          </p:nvPr>
-        </p:nvGraphicFramePr>
-        <p:xfrm>
-          <a:off x="3498573" y="2610678"/>
-          <a:ext cx="7858539" cy="1895061"/>
-        </p:xfrm>
-        <a:graphic>
-          <a:graphicData uri="http://schemas.openxmlformats.org/drawingml/2006/table">
-            <a:tbl>
-              <a:tblPr firstRow="1" bandRow="1">
-                <a:tableStyleId>{5C22544A-7EE6-4342-B048-85BDC9FD1C3A}</a:tableStyleId>
-              </a:tblPr>
-              <a:tblGrid>
-                <a:gridCol w="2619513">
-                  <a:extLst>
-                    <a:ext uri="{9D8B030D-6E8A-4147-A177-3AD203B41FA5}">
-                      <a16:colId xmlns:a16="http://schemas.microsoft.com/office/drawing/2014/main" val="2952185356"/>
-                    </a:ext>
-                  </a:extLst>
-                </a:gridCol>
-                <a:gridCol w="2619513">
-                  <a:extLst>
-                    <a:ext uri="{9D8B030D-6E8A-4147-A177-3AD203B41FA5}">
-                      <a16:colId xmlns:a16="http://schemas.microsoft.com/office/drawing/2014/main" val="2717206181"/>
-                    </a:ext>
-                  </a:extLst>
-                </a:gridCol>
-                <a:gridCol w="2619513">
-                  <a:extLst>
-                    <a:ext uri="{9D8B030D-6E8A-4147-A177-3AD203B41FA5}">
-                      <a16:colId xmlns:a16="http://schemas.microsoft.com/office/drawing/2014/main" val="3250298086"/>
-                    </a:ext>
-                  </a:extLst>
-                </a:gridCol>
-              </a:tblGrid>
-              <a:tr h="631687">
-                <a:tc>
-                  <a:txBody>
-                    <a:bodyPr/>
-                    <a:lstStyle/>
-                    <a:p>
-                      <a:r>
-                        <a:rPr lang="en-GB" dirty="0"/>
-                        <a:t>          Column Name</a:t>
-                      </a:r>
-                    </a:p>
-                  </a:txBody>
-                  <a:tcPr/>
-                </a:tc>
-                <a:tc>
-                  <a:txBody>
-                    <a:bodyPr/>
-                    <a:lstStyle/>
-                    <a:p>
-                      <a:pPr algn="ctr"/>
-                      <a:r>
-                        <a:rPr lang="en-GB" dirty="0"/>
-                        <a:t>    Data Types</a:t>
-                      </a:r>
-                    </a:p>
-                  </a:txBody>
-                  <a:tcPr/>
-                </a:tc>
-                <a:tc>
-                  <a:txBody>
-                    <a:bodyPr/>
-                    <a:lstStyle/>
-                    <a:p>
-                      <a:pPr algn="ctr"/>
-                      <a:r>
-                        <a:rPr lang="en-GB" dirty="0"/>
-                        <a:t>  Constraints</a:t>
-                      </a:r>
-                    </a:p>
-                  </a:txBody>
-                  <a:tcPr/>
-                </a:tc>
-                <a:extLst>
-                  <a:ext uri="{0D108BD9-81ED-4DB2-BD59-A6C34878D82A}">
-                    <a16:rowId xmlns:a16="http://schemas.microsoft.com/office/drawing/2014/main" val="2316446628"/>
-                  </a:ext>
-                </a:extLst>
-              </a:tr>
-              <a:tr h="631687">
-                <a:tc>
-                  <a:txBody>
-                    <a:bodyPr/>
-                    <a:lstStyle/>
-                    <a:p>
-                      <a:r>
-                        <a:rPr lang="en-GB" dirty="0"/>
-                        <a:t>         Category_id</a:t>
-                      </a:r>
-                    </a:p>
-                  </a:txBody>
-                  <a:tcPr/>
-                </a:tc>
-                <a:tc>
-                  <a:txBody>
-                    <a:bodyPr/>
-                    <a:lstStyle/>
-                    <a:p>
-                      <a:r>
-                        <a:rPr lang="en-GB" dirty="0"/>
-                        <a:t>  INT</a:t>
-                      </a:r>
-                    </a:p>
-                  </a:txBody>
-                  <a:tcPr/>
-                </a:tc>
-                <a:tc>
-                  <a:txBody>
-                    <a:bodyPr/>
-                    <a:lstStyle/>
-                    <a:p>
-                      <a:r>
-                        <a:rPr lang="en-GB" dirty="0"/>
-                        <a:t>        Primary Key</a:t>
-                      </a:r>
-                    </a:p>
-                  </a:txBody>
-                  <a:tcPr/>
-                </a:tc>
-                <a:extLst>
-                  <a:ext uri="{0D108BD9-81ED-4DB2-BD59-A6C34878D82A}">
-                    <a16:rowId xmlns:a16="http://schemas.microsoft.com/office/drawing/2014/main" val="1106960370"/>
-                  </a:ext>
-                </a:extLst>
-              </a:tr>
-              <a:tr h="631687">
-                <a:tc>
-                  <a:txBody>
-                    <a:bodyPr/>
-                    <a:lstStyle/>
-                    <a:p>
-                      <a:r>
-                        <a:rPr lang="en-GB" dirty="0"/>
-                        <a:t>         Category_Name</a:t>
-                      </a:r>
-                    </a:p>
-                  </a:txBody>
-                  <a:tcPr/>
-                </a:tc>
-                <a:tc>
-                  <a:txBody>
-                    <a:bodyPr/>
-                    <a:lstStyle/>
-                    <a:p>
-                      <a:r>
-                        <a:rPr lang="en-GB" dirty="0"/>
-                        <a:t>   VARCHAR (50)</a:t>
-                      </a:r>
-                    </a:p>
-                  </a:txBody>
-                  <a:tcPr/>
-                </a:tc>
-                <a:tc>
-                  <a:txBody>
-                    <a:bodyPr/>
-                    <a:lstStyle/>
-                    <a:p>
-                      <a:r>
-                        <a:rPr lang="en-GB" dirty="0"/>
-                        <a:t>NOT NULL</a:t>
-                      </a:r>
-                    </a:p>
-                  </a:txBody>
-                  <a:tcPr/>
-                </a:tc>
-                <a:extLst>
-                  <a:ext uri="{0D108BD9-81ED-4DB2-BD59-A6C34878D82A}">
-                    <a16:rowId xmlns:a16="http://schemas.microsoft.com/office/drawing/2014/main" val="1335751773"/>
-                  </a:ext>
-                </a:extLst>
-              </a:tr>
-            </a:tbl>
-          </a:graphicData>
-        </a:graphic>
-      </p:graphicFrame>
+              <a:t>Thank You !</a:t>
+            </a:r>
+          </a:p>
+        </p:txBody>
+      </p:sp>
     </p:spTree>
     <p:extLst>
       <p:ext uri="{BB962C8B-B14F-4D97-AF65-F5344CB8AC3E}">
-        <p14:creationId xmlns:p14="http://schemas.microsoft.com/office/powerpoint/2010/main" val="540280911"/>
-      </p:ext>
-    </p:extLst>
-  </p:cSld>
-  <p:clrMapOvr>
-    <a:masterClrMapping/>
-  </p:clrMapOvr>
-</p:sld>
-</file>
-
-<file path=ppt/slides/slide11.xml><?xml version="1.0" encoding="utf-8"?>
-<p:sld xmlns:a="http://schemas.openxmlformats.org/drawingml/2006/main" xmlns:r="http://schemas.openxmlformats.org/officeDocument/2006/relationships" xmlns:p="http://schemas.openxmlformats.org/presentationml/2006/main">
-  <p:cSld>
-    <p:spTree>
-      <p:nvGrpSpPr>
-        <p:cNvPr id="1" name=""/>
-        <p:cNvGrpSpPr/>
-        <p:nvPr/>
-      </p:nvGrpSpPr>
-      <p:grpSpPr>
-        <a:xfrm>
-          <a:off x="0" y="0"/>
-          <a:ext cx="0" cy="0"/>
-          <a:chOff x="0" y="0"/>
-          <a:chExt cx="0" cy="0"/>
-        </a:xfrm>
-      </p:grpSpPr>
-      <p:sp>
-        <p:nvSpPr>
-          <p:cNvPr id="2" name="Title 1">
-            <a:extLst>
-              <a:ext uri="{FF2B5EF4-FFF2-40B4-BE49-F238E27FC236}">
-                <a16:creationId xmlns:a16="http://schemas.microsoft.com/office/drawing/2014/main" id="{BED185DC-9AFB-6DF9-7A65-3480828C2812}"/>
-              </a:ext>
-            </a:extLst>
-          </p:cNvPr>
-          <p:cNvSpPr>
-            <a:spLocks noGrp="1"/>
-          </p:cNvSpPr>
-          <p:nvPr>
-            <p:ph type="title"/>
-          </p:nvPr>
-        </p:nvSpPr>
-        <p:spPr>
-          <a:xfrm>
-            <a:off x="1484311" y="251790"/>
-            <a:ext cx="10018713" cy="1027045"/>
-          </a:xfrm>
-        </p:spPr>
-        <p:txBody>
-          <a:bodyPr>
-            <a:normAutofit/>
-          </a:bodyPr>
-          <a:lstStyle/>
-          <a:p>
-            <a:r>
-              <a:rPr lang="en-GB" sz="4000" dirty="0">
-                <a:latin typeface="Arial Black" panose="020B0A04020102020204" pitchFamily="34" charset="0"/>
-              </a:rPr>
-              <a:t>DATABASE DESIGN</a:t>
-            </a:r>
-            <a:endParaRPr lang="en-GB" dirty="0"/>
-          </a:p>
-        </p:txBody>
-      </p:sp>
-      <p:sp>
-        <p:nvSpPr>
-          <p:cNvPr id="3" name="Content Placeholder 2">
-            <a:extLst>
-              <a:ext uri="{FF2B5EF4-FFF2-40B4-BE49-F238E27FC236}">
-                <a16:creationId xmlns:a16="http://schemas.microsoft.com/office/drawing/2014/main" id="{F184711D-8A50-C243-A41C-7A7A0B4BDC34}"/>
-              </a:ext>
-            </a:extLst>
-          </p:cNvPr>
-          <p:cNvSpPr>
-            <a:spLocks noGrp="1"/>
-          </p:cNvSpPr>
-          <p:nvPr>
-            <p:ph idx="1"/>
-          </p:nvPr>
-        </p:nvSpPr>
-        <p:spPr>
-          <a:xfrm>
-            <a:off x="1484310" y="755375"/>
-            <a:ext cx="10018713" cy="3750364"/>
-          </a:xfrm>
-        </p:spPr>
-        <p:txBody>
-          <a:bodyPr/>
-          <a:lstStyle/>
-          <a:p>
-            <a:pPr marL="0" indent="0">
-              <a:buNone/>
-            </a:pPr>
-            <a:r>
-              <a:rPr lang="en-GB" b="1" dirty="0">
-                <a:latin typeface="Calibri" panose="020F0502020204030204" pitchFamily="34" charset="0"/>
-                <a:cs typeface="Calibri" panose="020F0502020204030204" pitchFamily="34" charset="0"/>
-              </a:rPr>
-              <a:t>3</a:t>
-            </a:r>
-            <a:r>
-              <a:rPr lang="en-GB" b="1" dirty="0"/>
-              <a:t>.Members  :-</a:t>
-            </a:r>
-            <a:br>
-              <a:rPr lang="en-GB" b="1" dirty="0"/>
-            </a:br>
-            <a:endParaRPr lang="en-GB" b="1" dirty="0"/>
-          </a:p>
-        </p:txBody>
-      </p:sp>
-      <p:graphicFrame>
-        <p:nvGraphicFramePr>
-          <p:cNvPr id="4" name="Table 3">
-            <a:extLst>
-              <a:ext uri="{FF2B5EF4-FFF2-40B4-BE49-F238E27FC236}">
-                <a16:creationId xmlns:a16="http://schemas.microsoft.com/office/drawing/2014/main" id="{EE1A0A45-8610-9E44-20C0-700FF8BCF940}"/>
-              </a:ext>
-            </a:extLst>
-          </p:cNvPr>
-          <p:cNvGraphicFramePr>
-            <a:graphicFrameLocks noGrp="1"/>
-          </p:cNvGraphicFramePr>
-          <p:nvPr>
-            <p:extLst>
-              <p:ext uri="{D42A27DB-BD31-4B8C-83A1-F6EECF244321}">
-                <p14:modId xmlns:p14="http://schemas.microsoft.com/office/powerpoint/2010/main" val="2278963679"/>
-              </p:ext>
-            </p:extLst>
-          </p:nvPr>
-        </p:nvGraphicFramePr>
-        <p:xfrm>
-          <a:off x="3419061" y="2663687"/>
-          <a:ext cx="8083962" cy="3401391"/>
-        </p:xfrm>
-        <a:graphic>
-          <a:graphicData uri="http://schemas.openxmlformats.org/drawingml/2006/table">
-            <a:tbl>
-              <a:tblPr firstRow="1" bandRow="1">
-                <a:tableStyleId>{5C22544A-7EE6-4342-B048-85BDC9FD1C3A}</a:tableStyleId>
-              </a:tblPr>
-              <a:tblGrid>
-                <a:gridCol w="2694654">
-                  <a:extLst>
-                    <a:ext uri="{9D8B030D-6E8A-4147-A177-3AD203B41FA5}">
-                      <a16:colId xmlns:a16="http://schemas.microsoft.com/office/drawing/2014/main" val="3087983692"/>
-                    </a:ext>
-                  </a:extLst>
-                </a:gridCol>
-                <a:gridCol w="2694654">
-                  <a:extLst>
-                    <a:ext uri="{9D8B030D-6E8A-4147-A177-3AD203B41FA5}">
-                      <a16:colId xmlns:a16="http://schemas.microsoft.com/office/drawing/2014/main" val="3521849780"/>
-                    </a:ext>
-                  </a:extLst>
-                </a:gridCol>
-                <a:gridCol w="2694654">
-                  <a:extLst>
-                    <a:ext uri="{9D8B030D-6E8A-4147-A177-3AD203B41FA5}">
-                      <a16:colId xmlns:a16="http://schemas.microsoft.com/office/drawing/2014/main" val="1632981086"/>
-                    </a:ext>
-                  </a:extLst>
-                </a:gridCol>
-              </a:tblGrid>
-              <a:tr h="485913">
-                <a:tc>
-                  <a:txBody>
-                    <a:bodyPr/>
-                    <a:lstStyle/>
-                    <a:p>
-                      <a:r>
-                        <a:rPr lang="en-GB" dirty="0"/>
-                        <a:t>         Column Name</a:t>
-                      </a:r>
-                    </a:p>
-                  </a:txBody>
-                  <a:tcPr/>
-                </a:tc>
-                <a:tc>
-                  <a:txBody>
-                    <a:bodyPr/>
-                    <a:lstStyle/>
-                    <a:p>
-                      <a:r>
-                        <a:rPr lang="en-GB" dirty="0"/>
-                        <a:t>              Data Types</a:t>
-                      </a:r>
-                    </a:p>
-                  </a:txBody>
-                  <a:tcPr/>
-                </a:tc>
-                <a:tc>
-                  <a:txBody>
-                    <a:bodyPr/>
-                    <a:lstStyle/>
-                    <a:p>
-                      <a:r>
-                        <a:rPr lang="en-GB" dirty="0"/>
-                        <a:t>             Constraints</a:t>
-                      </a:r>
-                    </a:p>
-                  </a:txBody>
-                  <a:tcPr/>
-                </a:tc>
-                <a:extLst>
-                  <a:ext uri="{0D108BD9-81ED-4DB2-BD59-A6C34878D82A}">
-                    <a16:rowId xmlns:a16="http://schemas.microsoft.com/office/drawing/2014/main" val="409015080"/>
-                  </a:ext>
-                </a:extLst>
-              </a:tr>
-              <a:tr h="485913">
-                <a:tc>
-                  <a:txBody>
-                    <a:bodyPr/>
-                    <a:lstStyle/>
-                    <a:p>
-                      <a:r>
-                        <a:rPr lang="en-GB" dirty="0"/>
-                        <a:t>             Member_id</a:t>
-                      </a:r>
-                    </a:p>
-                  </a:txBody>
-                  <a:tcPr/>
-                </a:tc>
-                <a:tc>
-                  <a:txBody>
-                    <a:bodyPr/>
-                    <a:lstStyle/>
-                    <a:p>
-                      <a:r>
-                        <a:rPr lang="en-GB" dirty="0"/>
-                        <a:t> INT</a:t>
-                      </a:r>
-                    </a:p>
-                  </a:txBody>
-                  <a:tcPr/>
-                </a:tc>
-                <a:tc>
-                  <a:txBody>
-                    <a:bodyPr/>
-                    <a:lstStyle/>
-                    <a:p>
-                      <a:r>
-                        <a:rPr lang="en-GB" dirty="0"/>
-                        <a:t>Primary Key</a:t>
-                      </a:r>
-                    </a:p>
-                  </a:txBody>
-                  <a:tcPr/>
-                </a:tc>
-                <a:extLst>
-                  <a:ext uri="{0D108BD9-81ED-4DB2-BD59-A6C34878D82A}">
-                    <a16:rowId xmlns:a16="http://schemas.microsoft.com/office/drawing/2014/main" val="3196427043"/>
-                  </a:ext>
-                </a:extLst>
-              </a:tr>
-              <a:tr h="485913">
-                <a:tc>
-                  <a:txBody>
-                    <a:bodyPr/>
-                    <a:lstStyle/>
-                    <a:p>
-                      <a:r>
-                        <a:rPr lang="en-GB" dirty="0"/>
-                        <a:t>                   Name </a:t>
-                      </a:r>
-                    </a:p>
-                  </a:txBody>
-                  <a:tcPr/>
-                </a:tc>
-                <a:tc>
-                  <a:txBody>
-                    <a:bodyPr/>
-                    <a:lstStyle/>
-                    <a:p>
-                      <a:r>
-                        <a:rPr lang="en-GB" dirty="0"/>
-                        <a:t>VARCHAR (20)</a:t>
-                      </a:r>
-                    </a:p>
-                  </a:txBody>
-                  <a:tcPr/>
-                </a:tc>
-                <a:tc>
-                  <a:txBody>
-                    <a:bodyPr/>
-                    <a:lstStyle/>
-                    <a:p>
-                      <a:r>
-                        <a:rPr lang="en-GB" dirty="0"/>
-                        <a:t>NOT NULL</a:t>
-                      </a:r>
-                    </a:p>
-                  </a:txBody>
-                  <a:tcPr/>
-                </a:tc>
-                <a:extLst>
-                  <a:ext uri="{0D108BD9-81ED-4DB2-BD59-A6C34878D82A}">
-                    <a16:rowId xmlns:a16="http://schemas.microsoft.com/office/drawing/2014/main" val="841315251"/>
-                  </a:ext>
-                </a:extLst>
-              </a:tr>
-              <a:tr h="485913">
-                <a:tc>
-                  <a:txBody>
-                    <a:bodyPr/>
-                    <a:lstStyle/>
-                    <a:p>
-                      <a:r>
-                        <a:rPr lang="en-GB" dirty="0"/>
-                        <a:t>                    Email</a:t>
-                      </a:r>
-                    </a:p>
-                  </a:txBody>
-                  <a:tcPr/>
-                </a:tc>
-                <a:tc>
-                  <a:txBody>
-                    <a:bodyPr/>
-                    <a:lstStyle/>
-                    <a:p>
-                      <a:r>
-                        <a:rPr lang="en-GB" dirty="0"/>
-                        <a:t>VARCHAR</a:t>
-                      </a:r>
-                    </a:p>
-                  </a:txBody>
-                  <a:tcPr/>
-                </a:tc>
-                <a:tc>
-                  <a:txBody>
-                    <a:bodyPr/>
-                    <a:lstStyle/>
-                    <a:p>
-                      <a:pPr marL="0" marR="0" lvl="0" indent="0" algn="l" defTabSz="457200" rtl="0" eaLnBrk="1" fontAlgn="auto" latinLnBrk="0" hangingPunct="1">
-                        <a:lnSpc>
-                          <a:spcPct val="100000"/>
-                        </a:lnSpc>
-                        <a:spcBef>
-                          <a:spcPts val="0"/>
-                        </a:spcBef>
-                        <a:spcAft>
-                          <a:spcPts val="0"/>
-                        </a:spcAft>
-                        <a:buClrTx/>
-                        <a:buSzTx/>
-                        <a:buFontTx/>
-                        <a:buNone/>
-                        <a:tabLst/>
-                        <a:defRPr/>
-                      </a:pPr>
-                      <a:r>
-                        <a:rPr lang="en-GB" dirty="0"/>
-                        <a:t>NOT NULL, Unique Key</a:t>
-                      </a:r>
-                    </a:p>
-                  </a:txBody>
-                  <a:tcPr/>
-                </a:tc>
-                <a:extLst>
-                  <a:ext uri="{0D108BD9-81ED-4DB2-BD59-A6C34878D82A}">
-                    <a16:rowId xmlns:a16="http://schemas.microsoft.com/office/drawing/2014/main" val="115302724"/>
-                  </a:ext>
-                </a:extLst>
-              </a:tr>
-              <a:tr h="485913">
-                <a:tc>
-                  <a:txBody>
-                    <a:bodyPr/>
-                    <a:lstStyle/>
-                    <a:p>
-                      <a:r>
-                        <a:rPr lang="en-GB" dirty="0"/>
-                        <a:t>                 Password</a:t>
-                      </a:r>
-                    </a:p>
-                  </a:txBody>
-                  <a:tcPr/>
-                </a:tc>
-                <a:tc>
-                  <a:txBody>
-                    <a:bodyPr/>
-                    <a:lstStyle/>
-                    <a:p>
-                      <a:r>
-                        <a:rPr lang="en-GB" dirty="0"/>
-                        <a:t> VARCHAR</a:t>
-                      </a:r>
-                    </a:p>
-                  </a:txBody>
-                  <a:tcPr/>
-                </a:tc>
-                <a:tc>
-                  <a:txBody>
-                    <a:bodyPr/>
-                    <a:lstStyle/>
-                    <a:p>
-                      <a:pPr marL="0" marR="0" lvl="0" indent="0" algn="l" defTabSz="457200" rtl="0" eaLnBrk="1" fontAlgn="auto" latinLnBrk="0" hangingPunct="1">
-                        <a:lnSpc>
-                          <a:spcPct val="100000"/>
-                        </a:lnSpc>
-                        <a:spcBef>
-                          <a:spcPts val="0"/>
-                        </a:spcBef>
-                        <a:spcAft>
-                          <a:spcPts val="0"/>
-                        </a:spcAft>
-                        <a:buClrTx/>
-                        <a:buSzTx/>
-                        <a:buFontTx/>
-                        <a:buNone/>
-                        <a:tabLst/>
-                        <a:defRPr/>
-                      </a:pPr>
-                      <a:r>
-                        <a:rPr lang="en-GB" dirty="0"/>
-                        <a:t>NOT NULL, Unique Key</a:t>
-                      </a:r>
-                    </a:p>
-                  </a:txBody>
-                  <a:tcPr/>
-                </a:tc>
-                <a:extLst>
-                  <a:ext uri="{0D108BD9-81ED-4DB2-BD59-A6C34878D82A}">
-                    <a16:rowId xmlns:a16="http://schemas.microsoft.com/office/drawing/2014/main" val="1545000282"/>
-                  </a:ext>
-                </a:extLst>
-              </a:tr>
-              <a:tr h="485913">
-                <a:tc>
-                  <a:txBody>
-                    <a:bodyPr/>
-                    <a:lstStyle/>
-                    <a:p>
-                      <a:r>
-                        <a:rPr lang="en-GB" dirty="0"/>
-                        <a:t>        MembershipDate</a:t>
-                      </a:r>
-                    </a:p>
-                  </a:txBody>
-                  <a:tcPr/>
-                </a:tc>
-                <a:tc>
-                  <a:txBody>
-                    <a:bodyPr/>
-                    <a:lstStyle/>
-                    <a:p>
-                      <a:r>
-                        <a:rPr lang="en-GB" dirty="0"/>
-                        <a:t> DATE</a:t>
-                      </a:r>
-                    </a:p>
-                  </a:txBody>
-                  <a:tcPr/>
-                </a:tc>
-                <a:tc>
-                  <a:txBody>
-                    <a:bodyPr/>
-                    <a:lstStyle/>
-                    <a:p>
-                      <a:pPr marL="0" marR="0" lvl="0" indent="0" algn="l" defTabSz="457200" rtl="0" eaLnBrk="1" fontAlgn="auto" latinLnBrk="0" hangingPunct="1">
-                        <a:lnSpc>
-                          <a:spcPct val="100000"/>
-                        </a:lnSpc>
-                        <a:spcBef>
-                          <a:spcPts val="0"/>
-                        </a:spcBef>
-                        <a:spcAft>
-                          <a:spcPts val="0"/>
-                        </a:spcAft>
-                        <a:buClrTx/>
-                        <a:buSzTx/>
-                        <a:buFontTx/>
-                        <a:buNone/>
-                        <a:tabLst/>
-                        <a:defRPr/>
-                      </a:pPr>
-                      <a:r>
-                        <a:rPr lang="en-GB" dirty="0"/>
-                        <a:t>NOT NULL</a:t>
-                      </a:r>
-                    </a:p>
-                  </a:txBody>
-                  <a:tcPr/>
-                </a:tc>
-                <a:extLst>
-                  <a:ext uri="{0D108BD9-81ED-4DB2-BD59-A6C34878D82A}">
-                    <a16:rowId xmlns:a16="http://schemas.microsoft.com/office/drawing/2014/main" val="738398265"/>
-                  </a:ext>
-                </a:extLst>
-              </a:tr>
-              <a:tr h="485913">
-                <a:tc>
-                  <a:txBody>
-                    <a:bodyPr/>
-                    <a:lstStyle/>
-                    <a:p>
-                      <a:r>
-                        <a:rPr lang="en-GB" dirty="0"/>
-                        <a:t>         Phone Number</a:t>
-                      </a:r>
-                    </a:p>
-                  </a:txBody>
-                  <a:tcPr/>
-                </a:tc>
-                <a:tc>
-                  <a:txBody>
-                    <a:bodyPr/>
-                    <a:lstStyle/>
-                    <a:p>
-                      <a:r>
-                        <a:rPr lang="en-GB" dirty="0"/>
-                        <a:t>  INT</a:t>
-                      </a:r>
-                    </a:p>
-                  </a:txBody>
-                  <a:tcPr/>
-                </a:tc>
-                <a:tc>
-                  <a:txBody>
-                    <a:bodyPr/>
-                    <a:lstStyle/>
-                    <a:p>
-                      <a:pPr marL="0" marR="0" lvl="0" indent="0" algn="l" defTabSz="457200" rtl="0" eaLnBrk="1" fontAlgn="auto" latinLnBrk="0" hangingPunct="1">
-                        <a:lnSpc>
-                          <a:spcPct val="100000"/>
-                        </a:lnSpc>
-                        <a:spcBef>
-                          <a:spcPts val="0"/>
-                        </a:spcBef>
-                        <a:spcAft>
-                          <a:spcPts val="0"/>
-                        </a:spcAft>
-                        <a:buClrTx/>
-                        <a:buSzTx/>
-                        <a:buFontTx/>
-                        <a:buNone/>
-                        <a:tabLst/>
-                        <a:defRPr/>
-                      </a:pPr>
-                      <a:r>
-                        <a:rPr lang="en-GB" dirty="0"/>
-                        <a:t>NOT NULL</a:t>
-                      </a:r>
-                    </a:p>
-                  </a:txBody>
-                  <a:tcPr/>
-                </a:tc>
-                <a:extLst>
-                  <a:ext uri="{0D108BD9-81ED-4DB2-BD59-A6C34878D82A}">
-                    <a16:rowId xmlns:a16="http://schemas.microsoft.com/office/drawing/2014/main" val="3843008127"/>
-                  </a:ext>
-                </a:extLst>
-              </a:tr>
-            </a:tbl>
-          </a:graphicData>
-        </a:graphic>
-      </p:graphicFrame>
-    </p:spTree>
-    <p:extLst>
-      <p:ext uri="{BB962C8B-B14F-4D97-AF65-F5344CB8AC3E}">
-        <p14:creationId xmlns:p14="http://schemas.microsoft.com/office/powerpoint/2010/main" val="1240595924"/>
-      </p:ext>
-    </p:extLst>
-  </p:cSld>
-  <p:clrMapOvr>
-    <a:masterClrMapping/>
-  </p:clrMapOvr>
-</p:sld>
-</file>
-
-<file path=ppt/slides/slide12.xml><?xml version="1.0" encoding="utf-8"?>
-<p:sld xmlns:a="http://schemas.openxmlformats.org/drawingml/2006/main" xmlns:r="http://schemas.openxmlformats.org/officeDocument/2006/relationships" xmlns:p="http://schemas.openxmlformats.org/presentationml/2006/main">
-  <p:cSld>
-    <p:spTree>
-      <p:nvGrpSpPr>
-        <p:cNvPr id="1" name=""/>
-        <p:cNvGrpSpPr/>
-        <p:nvPr/>
-      </p:nvGrpSpPr>
-      <p:grpSpPr>
-        <a:xfrm>
-          <a:off x="0" y="0"/>
-          <a:ext cx="0" cy="0"/>
-          <a:chOff x="0" y="0"/>
-          <a:chExt cx="0" cy="0"/>
-        </a:xfrm>
-      </p:grpSpPr>
-      <p:sp>
-        <p:nvSpPr>
-          <p:cNvPr id="2" name="Title 1">
-            <a:extLst>
-              <a:ext uri="{FF2B5EF4-FFF2-40B4-BE49-F238E27FC236}">
-                <a16:creationId xmlns:a16="http://schemas.microsoft.com/office/drawing/2014/main" id="{4A0CFA55-5F25-064B-F8A9-7DCA6B70596D}"/>
-              </a:ext>
-            </a:extLst>
-          </p:cNvPr>
-          <p:cNvSpPr>
-            <a:spLocks noGrp="1"/>
-          </p:cNvSpPr>
-          <p:nvPr>
-            <p:ph type="title"/>
-          </p:nvPr>
-        </p:nvSpPr>
-        <p:spPr>
-          <a:xfrm>
-            <a:off x="1484311" y="0"/>
-            <a:ext cx="10018713" cy="914401"/>
-          </a:xfrm>
-        </p:spPr>
-        <p:txBody>
-          <a:bodyPr>
-            <a:normAutofit/>
-          </a:bodyPr>
-          <a:lstStyle/>
-          <a:p>
-            <a:r>
-              <a:rPr lang="en-GB" sz="4000" dirty="0">
-                <a:latin typeface="Arial Black" panose="020B0A04020102020204" pitchFamily="34" charset="0"/>
-              </a:rPr>
-              <a:t>DATABASE DESIGN</a:t>
-            </a:r>
-            <a:endParaRPr lang="en-GB" dirty="0"/>
-          </a:p>
-        </p:txBody>
-      </p:sp>
-      <p:sp>
-        <p:nvSpPr>
-          <p:cNvPr id="3" name="Content Placeholder 2">
-            <a:extLst>
-              <a:ext uri="{FF2B5EF4-FFF2-40B4-BE49-F238E27FC236}">
-                <a16:creationId xmlns:a16="http://schemas.microsoft.com/office/drawing/2014/main" id="{F8E7F4F9-3CE1-B6CC-A76F-7339937BE3AC}"/>
-              </a:ext>
-            </a:extLst>
-          </p:cNvPr>
-          <p:cNvSpPr>
-            <a:spLocks noGrp="1"/>
-          </p:cNvSpPr>
-          <p:nvPr>
-            <p:ph idx="1"/>
-          </p:nvPr>
-        </p:nvSpPr>
-        <p:spPr>
-          <a:xfrm>
-            <a:off x="1484310" y="781879"/>
-            <a:ext cx="11595586" cy="4863548"/>
-          </a:xfrm>
-        </p:spPr>
-        <p:txBody>
-          <a:bodyPr/>
-          <a:lstStyle/>
-          <a:p>
-            <a:pPr marL="0" indent="0">
-              <a:buNone/>
-            </a:pPr>
-            <a:r>
-              <a:rPr lang="en-GB" b="1" dirty="0">
-                <a:latin typeface="Calibri" panose="020F0502020204030204" pitchFamily="34" charset="0"/>
-                <a:cs typeface="Calibri" panose="020F0502020204030204" pitchFamily="34" charset="0"/>
-              </a:rPr>
-              <a:t>4.Member Report :- </a:t>
-            </a:r>
-          </a:p>
-        </p:txBody>
-      </p:sp>
-      <p:graphicFrame>
-        <p:nvGraphicFramePr>
-          <p:cNvPr id="4" name="Table 3">
-            <a:extLst>
-              <a:ext uri="{FF2B5EF4-FFF2-40B4-BE49-F238E27FC236}">
-                <a16:creationId xmlns:a16="http://schemas.microsoft.com/office/drawing/2014/main" id="{332E0E70-F7FF-A165-91A7-C9022CB0E2D4}"/>
-              </a:ext>
-            </a:extLst>
-          </p:cNvPr>
-          <p:cNvGraphicFramePr>
-            <a:graphicFrameLocks noGrp="1"/>
-          </p:cNvGraphicFramePr>
-          <p:nvPr>
-            <p:extLst>
-              <p:ext uri="{D42A27DB-BD31-4B8C-83A1-F6EECF244321}">
-                <p14:modId xmlns:p14="http://schemas.microsoft.com/office/powerpoint/2010/main" val="2598891516"/>
-              </p:ext>
-            </p:extLst>
-          </p:nvPr>
-        </p:nvGraphicFramePr>
-        <p:xfrm>
-          <a:off x="4205357" y="3220278"/>
-          <a:ext cx="7801113" cy="2120350"/>
-        </p:xfrm>
-        <a:graphic>
-          <a:graphicData uri="http://schemas.openxmlformats.org/drawingml/2006/table">
-            <a:tbl>
-              <a:tblPr firstRow="1" bandRow="1">
-                <a:tableStyleId>{5C22544A-7EE6-4342-B048-85BDC9FD1C3A}</a:tableStyleId>
-              </a:tblPr>
-              <a:tblGrid>
-                <a:gridCol w="2600371">
-                  <a:extLst>
-                    <a:ext uri="{9D8B030D-6E8A-4147-A177-3AD203B41FA5}">
-                      <a16:colId xmlns:a16="http://schemas.microsoft.com/office/drawing/2014/main" val="2816466052"/>
-                    </a:ext>
-                  </a:extLst>
-                </a:gridCol>
-                <a:gridCol w="2600371">
-                  <a:extLst>
-                    <a:ext uri="{9D8B030D-6E8A-4147-A177-3AD203B41FA5}">
-                      <a16:colId xmlns:a16="http://schemas.microsoft.com/office/drawing/2014/main" val="2283058595"/>
-                    </a:ext>
-                  </a:extLst>
-                </a:gridCol>
-                <a:gridCol w="2600371">
-                  <a:extLst>
-                    <a:ext uri="{9D8B030D-6E8A-4147-A177-3AD203B41FA5}">
-                      <a16:colId xmlns:a16="http://schemas.microsoft.com/office/drawing/2014/main" val="1834492163"/>
-                    </a:ext>
-                  </a:extLst>
-                </a:gridCol>
-              </a:tblGrid>
-              <a:tr h="424070">
-                <a:tc>
-                  <a:txBody>
-                    <a:bodyPr/>
-                    <a:lstStyle/>
-                    <a:p>
-                      <a:r>
-                        <a:rPr lang="en-GB" dirty="0"/>
-                        <a:t>          Column Name</a:t>
-                      </a:r>
-                    </a:p>
-                  </a:txBody>
-                  <a:tcPr/>
-                </a:tc>
-                <a:tc>
-                  <a:txBody>
-                    <a:bodyPr/>
-                    <a:lstStyle/>
-                    <a:p>
-                      <a:r>
-                        <a:rPr lang="en-GB" dirty="0"/>
-                        <a:t>             Data Types</a:t>
-                      </a:r>
-                    </a:p>
-                  </a:txBody>
-                  <a:tcPr/>
-                </a:tc>
-                <a:tc>
-                  <a:txBody>
-                    <a:bodyPr/>
-                    <a:lstStyle/>
-                    <a:p>
-                      <a:r>
-                        <a:rPr lang="en-GB" dirty="0"/>
-                        <a:t>            Constraints</a:t>
-                      </a:r>
-                    </a:p>
-                  </a:txBody>
-                  <a:tcPr/>
-                </a:tc>
-                <a:extLst>
-                  <a:ext uri="{0D108BD9-81ED-4DB2-BD59-A6C34878D82A}">
-                    <a16:rowId xmlns:a16="http://schemas.microsoft.com/office/drawing/2014/main" val="324916883"/>
-                  </a:ext>
-                </a:extLst>
-              </a:tr>
-              <a:tr h="424070">
-                <a:tc>
-                  <a:txBody>
-                    <a:bodyPr/>
-                    <a:lstStyle/>
-                    <a:p>
-                      <a:r>
-                        <a:rPr lang="en-GB" dirty="0"/>
-                        <a:t>             ID</a:t>
-                      </a:r>
-                    </a:p>
-                  </a:txBody>
-                  <a:tcPr/>
-                </a:tc>
-                <a:tc>
-                  <a:txBody>
-                    <a:bodyPr/>
-                    <a:lstStyle/>
-                    <a:p>
-                      <a:r>
-                        <a:rPr lang="en-GB" dirty="0"/>
-                        <a:t> INT</a:t>
-                      </a:r>
-                    </a:p>
-                  </a:txBody>
-                  <a:tcPr/>
-                </a:tc>
-                <a:tc>
-                  <a:txBody>
-                    <a:bodyPr/>
-                    <a:lstStyle/>
-                    <a:p>
-                      <a:r>
-                        <a:rPr lang="en-GB" dirty="0"/>
-                        <a:t>Primary Key</a:t>
-                      </a:r>
-                    </a:p>
-                  </a:txBody>
-                  <a:tcPr/>
-                </a:tc>
-                <a:extLst>
-                  <a:ext uri="{0D108BD9-81ED-4DB2-BD59-A6C34878D82A}">
-                    <a16:rowId xmlns:a16="http://schemas.microsoft.com/office/drawing/2014/main" val="3555514896"/>
-                  </a:ext>
-                </a:extLst>
-              </a:tr>
-              <a:tr h="424070">
-                <a:tc>
-                  <a:txBody>
-                    <a:bodyPr/>
-                    <a:lstStyle/>
-                    <a:p>
-                      <a:r>
-                        <a:rPr lang="en-GB" dirty="0"/>
-                        <a:t>           Issue_Date</a:t>
-                      </a:r>
-                    </a:p>
-                  </a:txBody>
-                  <a:tcPr/>
-                </a:tc>
-                <a:tc>
-                  <a:txBody>
-                    <a:bodyPr/>
-                    <a:lstStyle/>
-                    <a:p>
-                      <a:r>
-                        <a:rPr lang="en-GB" dirty="0"/>
-                        <a:t>DATE</a:t>
-                      </a:r>
-                    </a:p>
-                  </a:txBody>
-                  <a:tcPr/>
-                </a:tc>
-                <a:tc>
-                  <a:txBody>
-                    <a:bodyPr/>
-                    <a:lstStyle/>
-                    <a:p>
-                      <a:r>
-                        <a:rPr lang="en-GB" dirty="0"/>
-                        <a:t>NOT NULL</a:t>
-                      </a:r>
-                    </a:p>
-                  </a:txBody>
-                  <a:tcPr/>
-                </a:tc>
-                <a:extLst>
-                  <a:ext uri="{0D108BD9-81ED-4DB2-BD59-A6C34878D82A}">
-                    <a16:rowId xmlns:a16="http://schemas.microsoft.com/office/drawing/2014/main" val="2784437445"/>
-                  </a:ext>
-                </a:extLst>
-              </a:tr>
-              <a:tr h="424070">
-                <a:tc>
-                  <a:txBody>
-                    <a:bodyPr/>
-                    <a:lstStyle/>
-                    <a:p>
-                      <a:r>
-                        <a:rPr lang="en-GB" dirty="0"/>
-                        <a:t>           Return_Date</a:t>
-                      </a:r>
-                    </a:p>
-                  </a:txBody>
-                  <a:tcPr/>
-                </a:tc>
-                <a:tc>
-                  <a:txBody>
-                    <a:bodyPr/>
-                    <a:lstStyle/>
-                    <a:p>
-                      <a:r>
-                        <a:rPr lang="en-GB" dirty="0"/>
-                        <a:t>DATE</a:t>
-                      </a:r>
-                    </a:p>
-                  </a:txBody>
-                  <a:tcPr/>
-                </a:tc>
-                <a:tc>
-                  <a:txBody>
-                    <a:bodyPr/>
-                    <a:lstStyle/>
-                    <a:p>
-                      <a:r>
-                        <a:rPr lang="en-GB" dirty="0"/>
-                        <a:t>NOT NULL</a:t>
-                      </a:r>
-                    </a:p>
-                  </a:txBody>
-                  <a:tcPr/>
-                </a:tc>
-                <a:extLst>
-                  <a:ext uri="{0D108BD9-81ED-4DB2-BD59-A6C34878D82A}">
-                    <a16:rowId xmlns:a16="http://schemas.microsoft.com/office/drawing/2014/main" val="3942820132"/>
-                  </a:ext>
-                </a:extLst>
-              </a:tr>
-              <a:tr h="424070">
-                <a:tc>
-                  <a:txBody>
-                    <a:bodyPr/>
-                    <a:lstStyle/>
-                    <a:p>
-                      <a:r>
-                        <a:rPr lang="en-GB" dirty="0"/>
-                        <a:t>           Due_Date</a:t>
-                      </a:r>
-                    </a:p>
-                  </a:txBody>
-                  <a:tcPr/>
-                </a:tc>
-                <a:tc>
-                  <a:txBody>
-                    <a:bodyPr/>
-                    <a:lstStyle/>
-                    <a:p>
-                      <a:r>
-                        <a:rPr lang="en-GB" dirty="0"/>
-                        <a:t>DATE</a:t>
-                      </a:r>
-                    </a:p>
-                  </a:txBody>
-                  <a:tcPr/>
-                </a:tc>
-                <a:tc>
-                  <a:txBody>
-                    <a:bodyPr/>
-                    <a:lstStyle/>
-                    <a:p>
-                      <a:r>
-                        <a:rPr lang="en-GB" dirty="0"/>
-                        <a:t>NOT NULL</a:t>
-                      </a:r>
-                    </a:p>
-                  </a:txBody>
-                  <a:tcPr/>
-                </a:tc>
-                <a:extLst>
-                  <a:ext uri="{0D108BD9-81ED-4DB2-BD59-A6C34878D82A}">
-                    <a16:rowId xmlns:a16="http://schemas.microsoft.com/office/drawing/2014/main" val="311312744"/>
-                  </a:ext>
-                </a:extLst>
-              </a:tr>
-            </a:tbl>
-          </a:graphicData>
-        </a:graphic>
-      </p:graphicFrame>
-    </p:spTree>
-    <p:extLst>
-      <p:ext uri="{BB962C8B-B14F-4D97-AF65-F5344CB8AC3E}">
-        <p14:creationId xmlns:p14="http://schemas.microsoft.com/office/powerpoint/2010/main" val="2099358126"/>
-      </p:ext>
-    </p:extLst>
-  </p:cSld>
-  <p:clrMapOvr>
-    <a:masterClrMapping/>
-  </p:clrMapOvr>
-</p:sld>
-</file>
-
-<file path=ppt/slides/slide13.xml><?xml version="1.0" encoding="utf-8"?>
-<p:sld xmlns:a="http://schemas.openxmlformats.org/drawingml/2006/main" xmlns:r="http://schemas.openxmlformats.org/officeDocument/2006/relationships" xmlns:p="http://schemas.openxmlformats.org/presentationml/2006/main">
-  <p:cSld>
-    <p:spTree>
-      <p:nvGrpSpPr>
-        <p:cNvPr id="1" name=""/>
-        <p:cNvGrpSpPr/>
-        <p:nvPr/>
-      </p:nvGrpSpPr>
-      <p:grpSpPr>
-        <a:xfrm>
-          <a:off x="0" y="0"/>
-          <a:ext cx="0" cy="0"/>
-          <a:chOff x="0" y="0"/>
-          <a:chExt cx="0" cy="0"/>
-        </a:xfrm>
-      </p:grpSpPr>
-      <p:sp>
-        <p:nvSpPr>
-          <p:cNvPr id="2" name="Title 1">
-            <a:extLst>
-              <a:ext uri="{FF2B5EF4-FFF2-40B4-BE49-F238E27FC236}">
-                <a16:creationId xmlns:a16="http://schemas.microsoft.com/office/drawing/2014/main" id="{C6BE1E00-EF47-063A-0D24-EFA4A9604ED1}"/>
-              </a:ext>
-            </a:extLst>
-          </p:cNvPr>
-          <p:cNvSpPr>
-            <a:spLocks noGrp="1"/>
-          </p:cNvSpPr>
-          <p:nvPr>
-            <p:ph type="title"/>
-          </p:nvPr>
-        </p:nvSpPr>
-        <p:spPr>
-          <a:xfrm>
-            <a:off x="1484311" y="119271"/>
-            <a:ext cx="10018713" cy="947530"/>
-          </a:xfrm>
-        </p:spPr>
-        <p:txBody>
-          <a:bodyPr>
-            <a:normAutofit/>
-          </a:bodyPr>
-          <a:lstStyle/>
-          <a:p>
-            <a:r>
-              <a:rPr lang="en-GB" sz="4000" dirty="0">
-                <a:latin typeface="Arial Black" panose="020B0A04020102020204" pitchFamily="34" charset="0"/>
-              </a:rPr>
-              <a:t>DATABASE DESIGN</a:t>
-            </a:r>
-            <a:endParaRPr lang="en-GB" dirty="0"/>
-          </a:p>
-        </p:txBody>
-      </p:sp>
-      <p:sp>
-        <p:nvSpPr>
-          <p:cNvPr id="3" name="Content Placeholder 2">
-            <a:extLst>
-              <a:ext uri="{FF2B5EF4-FFF2-40B4-BE49-F238E27FC236}">
-                <a16:creationId xmlns:a16="http://schemas.microsoft.com/office/drawing/2014/main" id="{009EC3EE-1B2D-43C8-5E22-CC0F64E4ED42}"/>
-              </a:ext>
-            </a:extLst>
-          </p:cNvPr>
-          <p:cNvSpPr>
-            <a:spLocks noGrp="1"/>
-          </p:cNvSpPr>
-          <p:nvPr>
-            <p:ph idx="1"/>
-          </p:nvPr>
-        </p:nvSpPr>
-        <p:spPr>
-          <a:xfrm>
-            <a:off x="1484310" y="795131"/>
-            <a:ext cx="10018713" cy="3763617"/>
-          </a:xfrm>
-        </p:spPr>
-        <p:txBody>
-          <a:bodyPr/>
-          <a:lstStyle/>
-          <a:p>
-            <a:pPr marL="0" indent="0">
-              <a:buNone/>
-            </a:pPr>
-            <a:r>
-              <a:rPr lang="en-GB" b="1" dirty="0">
-                <a:latin typeface="Calibri" panose="020F0502020204030204" pitchFamily="34" charset="0"/>
-                <a:cs typeface="Calibri" panose="020F0502020204030204" pitchFamily="34" charset="0"/>
-              </a:rPr>
-              <a:t>4.Librarian :-</a:t>
-            </a:r>
-          </a:p>
-        </p:txBody>
-      </p:sp>
-      <p:graphicFrame>
-        <p:nvGraphicFramePr>
-          <p:cNvPr id="4" name="Table 3">
-            <a:extLst>
-              <a:ext uri="{FF2B5EF4-FFF2-40B4-BE49-F238E27FC236}">
-                <a16:creationId xmlns:a16="http://schemas.microsoft.com/office/drawing/2014/main" id="{2FC6D691-120D-0AEC-8CB7-74CF0A510C61}"/>
-              </a:ext>
-            </a:extLst>
-          </p:cNvPr>
-          <p:cNvGraphicFramePr>
-            <a:graphicFrameLocks noGrp="1"/>
-          </p:cNvGraphicFramePr>
-          <p:nvPr>
-            <p:extLst>
-              <p:ext uri="{D42A27DB-BD31-4B8C-83A1-F6EECF244321}">
-                <p14:modId xmlns:p14="http://schemas.microsoft.com/office/powerpoint/2010/main" val="3881264049"/>
-              </p:ext>
-            </p:extLst>
-          </p:nvPr>
-        </p:nvGraphicFramePr>
-        <p:xfrm>
-          <a:off x="3375024" y="2478157"/>
-          <a:ext cx="8445915" cy="2491410"/>
-        </p:xfrm>
-        <a:graphic>
-          <a:graphicData uri="http://schemas.openxmlformats.org/drawingml/2006/table">
-            <a:tbl>
-              <a:tblPr firstRow="1" bandRow="1">
-                <a:tableStyleId>{5C22544A-7EE6-4342-B048-85BDC9FD1C3A}</a:tableStyleId>
-              </a:tblPr>
-              <a:tblGrid>
-                <a:gridCol w="2815305">
-                  <a:extLst>
-                    <a:ext uri="{9D8B030D-6E8A-4147-A177-3AD203B41FA5}">
-                      <a16:colId xmlns:a16="http://schemas.microsoft.com/office/drawing/2014/main" val="430771419"/>
-                    </a:ext>
-                  </a:extLst>
-                </a:gridCol>
-                <a:gridCol w="2815305">
-                  <a:extLst>
-                    <a:ext uri="{9D8B030D-6E8A-4147-A177-3AD203B41FA5}">
-                      <a16:colId xmlns:a16="http://schemas.microsoft.com/office/drawing/2014/main" val="1320957814"/>
-                    </a:ext>
-                  </a:extLst>
-                </a:gridCol>
-                <a:gridCol w="2815305">
-                  <a:extLst>
-                    <a:ext uri="{9D8B030D-6E8A-4147-A177-3AD203B41FA5}">
-                      <a16:colId xmlns:a16="http://schemas.microsoft.com/office/drawing/2014/main" val="1746262037"/>
-                    </a:ext>
-                  </a:extLst>
-                </a:gridCol>
-              </a:tblGrid>
-              <a:tr h="415235">
-                <a:tc>
-                  <a:txBody>
-                    <a:bodyPr/>
-                    <a:lstStyle/>
-                    <a:p>
-                      <a:r>
-                        <a:rPr lang="en-GB" dirty="0"/>
-                        <a:t>             Column Name</a:t>
-                      </a:r>
-                    </a:p>
-                  </a:txBody>
-                  <a:tcPr/>
-                </a:tc>
-                <a:tc>
-                  <a:txBody>
-                    <a:bodyPr/>
-                    <a:lstStyle/>
-                    <a:p>
-                      <a:r>
-                        <a:rPr lang="en-GB" dirty="0"/>
-                        <a:t>               Data Types</a:t>
-                      </a:r>
-                    </a:p>
-                  </a:txBody>
-                  <a:tcPr/>
-                </a:tc>
-                <a:tc>
-                  <a:txBody>
-                    <a:bodyPr/>
-                    <a:lstStyle/>
-                    <a:p>
-                      <a:r>
-                        <a:rPr lang="en-GB" dirty="0"/>
-                        <a:t>               Constraints</a:t>
-                      </a:r>
-                    </a:p>
-                  </a:txBody>
-                  <a:tcPr/>
-                </a:tc>
-                <a:extLst>
-                  <a:ext uri="{0D108BD9-81ED-4DB2-BD59-A6C34878D82A}">
-                    <a16:rowId xmlns:a16="http://schemas.microsoft.com/office/drawing/2014/main" val="296943966"/>
-                  </a:ext>
-                </a:extLst>
-              </a:tr>
-              <a:tr h="415235">
-                <a:tc>
-                  <a:txBody>
-                    <a:bodyPr/>
-                    <a:lstStyle/>
-                    <a:p>
-                      <a:r>
-                        <a:rPr lang="en-GB" dirty="0"/>
-                        <a:t>         </a:t>
-                      </a:r>
-                      <a:r>
-                        <a:rPr lang="en-GB" dirty="0" err="1"/>
-                        <a:t>Librarian_id</a:t>
-                      </a:r>
-                      <a:endParaRPr lang="en-GB" dirty="0"/>
-                    </a:p>
-                  </a:txBody>
-                  <a:tcPr/>
-                </a:tc>
-                <a:tc>
-                  <a:txBody>
-                    <a:bodyPr/>
-                    <a:lstStyle/>
-                    <a:p>
-                      <a:endParaRPr lang="en-GB"/>
-                    </a:p>
-                  </a:txBody>
-                  <a:tcPr/>
-                </a:tc>
-                <a:tc>
-                  <a:txBody>
-                    <a:bodyPr/>
-                    <a:lstStyle/>
-                    <a:p>
-                      <a:endParaRPr lang="en-GB" dirty="0"/>
-                    </a:p>
-                  </a:txBody>
-                  <a:tcPr/>
-                </a:tc>
-                <a:extLst>
-                  <a:ext uri="{0D108BD9-81ED-4DB2-BD59-A6C34878D82A}">
-                    <a16:rowId xmlns:a16="http://schemas.microsoft.com/office/drawing/2014/main" val="2500330606"/>
-                  </a:ext>
-                </a:extLst>
-              </a:tr>
-              <a:tr h="415235">
-                <a:tc>
-                  <a:txBody>
-                    <a:bodyPr/>
-                    <a:lstStyle/>
-                    <a:p>
-                      <a:r>
-                        <a:rPr lang="en-GB" dirty="0"/>
-                        <a:t>               Name</a:t>
-                      </a:r>
-                    </a:p>
-                  </a:txBody>
-                  <a:tcPr/>
-                </a:tc>
-                <a:tc>
-                  <a:txBody>
-                    <a:bodyPr/>
-                    <a:lstStyle/>
-                    <a:p>
-                      <a:endParaRPr lang="en-GB"/>
-                    </a:p>
-                  </a:txBody>
-                  <a:tcPr/>
-                </a:tc>
-                <a:tc>
-                  <a:txBody>
-                    <a:bodyPr/>
-                    <a:lstStyle/>
-                    <a:p>
-                      <a:endParaRPr lang="en-GB" dirty="0"/>
-                    </a:p>
-                  </a:txBody>
-                  <a:tcPr/>
-                </a:tc>
-                <a:extLst>
-                  <a:ext uri="{0D108BD9-81ED-4DB2-BD59-A6C34878D82A}">
-                    <a16:rowId xmlns:a16="http://schemas.microsoft.com/office/drawing/2014/main" val="1697480364"/>
-                  </a:ext>
-                </a:extLst>
-              </a:tr>
-              <a:tr h="415235">
-                <a:tc>
-                  <a:txBody>
-                    <a:bodyPr/>
-                    <a:lstStyle/>
-                    <a:p>
-                      <a:r>
-                        <a:rPr lang="en-GB" dirty="0"/>
-                        <a:t>                Email</a:t>
-                      </a:r>
-                    </a:p>
-                  </a:txBody>
-                  <a:tcPr/>
-                </a:tc>
-                <a:tc>
-                  <a:txBody>
-                    <a:bodyPr/>
-                    <a:lstStyle/>
-                    <a:p>
-                      <a:endParaRPr lang="en-GB" dirty="0"/>
-                    </a:p>
-                  </a:txBody>
-                  <a:tcPr/>
-                </a:tc>
-                <a:tc>
-                  <a:txBody>
-                    <a:bodyPr/>
-                    <a:lstStyle/>
-                    <a:p>
-                      <a:endParaRPr lang="en-GB" dirty="0"/>
-                    </a:p>
-                  </a:txBody>
-                  <a:tcPr/>
-                </a:tc>
-                <a:extLst>
-                  <a:ext uri="{0D108BD9-81ED-4DB2-BD59-A6C34878D82A}">
-                    <a16:rowId xmlns:a16="http://schemas.microsoft.com/office/drawing/2014/main" val="4260263847"/>
-                  </a:ext>
-                </a:extLst>
-              </a:tr>
-              <a:tr h="415235">
-                <a:tc>
-                  <a:txBody>
-                    <a:bodyPr/>
-                    <a:lstStyle/>
-                    <a:p>
-                      <a:r>
-                        <a:rPr lang="en-GB" dirty="0"/>
-                        <a:t>             Password</a:t>
-                      </a:r>
-                    </a:p>
-                  </a:txBody>
-                  <a:tcPr/>
-                </a:tc>
-                <a:tc>
-                  <a:txBody>
-                    <a:bodyPr/>
-                    <a:lstStyle/>
-                    <a:p>
-                      <a:endParaRPr lang="en-GB" dirty="0"/>
-                    </a:p>
-                  </a:txBody>
-                  <a:tcPr/>
-                </a:tc>
-                <a:tc>
-                  <a:txBody>
-                    <a:bodyPr/>
-                    <a:lstStyle/>
-                    <a:p>
-                      <a:endParaRPr lang="en-GB" dirty="0"/>
-                    </a:p>
-                  </a:txBody>
-                  <a:tcPr/>
-                </a:tc>
-                <a:extLst>
-                  <a:ext uri="{0D108BD9-81ED-4DB2-BD59-A6C34878D82A}">
-                    <a16:rowId xmlns:a16="http://schemas.microsoft.com/office/drawing/2014/main" val="1114785416"/>
-                  </a:ext>
-                </a:extLst>
-              </a:tr>
-              <a:tr h="415235">
-                <a:tc>
-                  <a:txBody>
-                    <a:bodyPr/>
-                    <a:lstStyle/>
-                    <a:p>
-                      <a:endParaRPr lang="en-GB"/>
-                    </a:p>
-                  </a:txBody>
-                  <a:tcPr/>
-                </a:tc>
-                <a:tc>
-                  <a:txBody>
-                    <a:bodyPr/>
-                    <a:lstStyle/>
-                    <a:p>
-                      <a:endParaRPr lang="en-GB" dirty="0"/>
-                    </a:p>
-                  </a:txBody>
-                  <a:tcPr/>
-                </a:tc>
-                <a:tc>
-                  <a:txBody>
-                    <a:bodyPr/>
-                    <a:lstStyle/>
-                    <a:p>
-                      <a:endParaRPr lang="en-GB" dirty="0"/>
-                    </a:p>
-                  </a:txBody>
-                  <a:tcPr/>
-                </a:tc>
-                <a:extLst>
-                  <a:ext uri="{0D108BD9-81ED-4DB2-BD59-A6C34878D82A}">
-                    <a16:rowId xmlns:a16="http://schemas.microsoft.com/office/drawing/2014/main" val="1360769158"/>
-                  </a:ext>
-                </a:extLst>
-              </a:tr>
-            </a:tbl>
-          </a:graphicData>
-        </a:graphic>
-      </p:graphicFrame>
-    </p:spTree>
-    <p:extLst>
-      <p:ext uri="{BB962C8B-B14F-4D97-AF65-F5344CB8AC3E}">
-        <p14:creationId xmlns:p14="http://schemas.microsoft.com/office/powerpoint/2010/main" val="897670579"/>
+        <p14:creationId xmlns:p14="http://schemas.microsoft.com/office/powerpoint/2010/main" val="2817448908"/>
       </p:ext>
     </p:extLst>
   </p:cSld>
@@ -7975,7 +6857,7 @@
                 <a:latin typeface="Calibri" panose="020F0502020204030204" pitchFamily="34" charset="0"/>
                 <a:cs typeface="Calibri" panose="020F0502020204030204" pitchFamily="34" charset="0"/>
               </a:rPr>
-              <a:t>             The  project has six modules which is Member, MemberReport, Book, Category, Librarian, Authentication. The Library Management System stores the details like name, Librarian_ID of librarians working in the library and Members who  visit to library. The details of books like book name, book_ID, author,  year of publication , the total number of books that are present in the library.</a:t>
+              <a:t>             The  project has six modules which is Member, MemberReport, Book, Category, Librarian, Authentication. The Library Management System stores the details like name, Librarian_ID of librarians working in the library and Members who  visit to library. The details of books like book name, book_ID, author,  year of publication  that are present in the library.</a:t>
             </a:r>
           </a:p>
           <a:p>
@@ -7987,7 +6869,7 @@
             </a:pPr>
             <a:r>
               <a:rPr lang="en-GB" sz="2000" dirty="0"/>
-              <a:t>     </a:t>
+              <a:t>    </a:t>
             </a:r>
           </a:p>
           <a:p>
@@ -8042,7 +6924,7 @@
           <p:cNvPr id="2" name="Title 1">
             <a:extLst>
               <a:ext uri="{FF2B5EF4-FFF2-40B4-BE49-F238E27FC236}">
-                <a16:creationId xmlns:a16="http://schemas.microsoft.com/office/drawing/2014/main" id="{2F7AA132-830C-DF0A-C3CF-7BCEE1DC6364}"/>
+                <a16:creationId xmlns:a16="http://schemas.microsoft.com/office/drawing/2014/main" id="{0F856FF9-0AC2-F48D-EDB2-E34D1BAC7B70}"/>
               </a:ext>
             </a:extLst>
           </p:cNvPr>
@@ -8053,7 +6935,12 @@
             <p:ph type="title"/>
           </p:nvPr>
         </p:nvSpPr>
-        <p:spPr/>
+        <p:spPr>
+          <a:xfrm>
+            <a:off x="1484311" y="140678"/>
+            <a:ext cx="10018713" cy="1209820"/>
+          </a:xfrm>
+        </p:spPr>
         <p:txBody>
           <a:bodyPr/>
           <a:lstStyle/>
@@ -8062,21 +6949,17 @@
               <a:rPr lang="en-GB" dirty="0">
                 <a:latin typeface="Arial Black" panose="020B0A04020102020204" pitchFamily="34" charset="0"/>
               </a:rPr>
-              <a:t>TECHNOLOGY</a:t>
-            </a:r>
-            <a:r>
-              <a:rPr lang="en-GB" dirty="0"/>
-              <a:t> </a:t>
-            </a:r>
-          </a:p>
-        </p:txBody>
-      </p:sp>
-      <p:sp>
+              <a:t>OBJECTIVES</a:t>
+            </a:r>
+          </a:p>
+        </p:txBody>
+      </p:sp>
+      <p:sp useBgFill="1">
         <p:nvSpPr>
           <p:cNvPr id="3" name="Content Placeholder 2">
             <a:extLst>
               <a:ext uri="{FF2B5EF4-FFF2-40B4-BE49-F238E27FC236}">
-                <a16:creationId xmlns:a16="http://schemas.microsoft.com/office/drawing/2014/main" id="{2DB204C9-32C8-4FA1-D1DB-B88A71240A06}"/>
+                <a16:creationId xmlns:a16="http://schemas.microsoft.com/office/drawing/2014/main" id="{8738DF94-EC77-ED79-303C-BDB708B382CB}"/>
               </a:ext>
             </a:extLst>
           </p:cNvPr>
@@ -8087,78 +6970,94 @@
             <p:ph idx="1"/>
           </p:nvPr>
         </p:nvSpPr>
-        <p:spPr/>
-        <p:txBody>
-          <a:bodyPr>
+        <p:spPr>
+          <a:xfrm>
+            <a:off x="1484310" y="1603513"/>
+            <a:ext cx="10707690" cy="4121426"/>
+          </a:xfrm>
+        </p:spPr>
+        <p:txBody>
+          <a:bodyPr numCol="2">
             <a:normAutofit/>
           </a:bodyPr>
           <a:lstStyle/>
           <a:p>
             <a:pPr>
-              <a:buFont typeface="Wingdings" panose="05000000000000000000" pitchFamily="2" charset="2"/>
-              <a:buChar char="v"/>
-            </a:pPr>
-            <a:r>
-              <a:rPr lang="en-GB" sz="2000" dirty="0">
-                <a:latin typeface="Arial Black" panose="020B0A04020102020204" pitchFamily="34" charset="0"/>
-              </a:rPr>
-              <a:t>Tool Used :-</a:t>
-            </a:r>
-          </a:p>
-          <a:p>
-            <a:pPr marL="0" indent="0">
-              <a:buNone/>
+              <a:lnSpc>
+                <a:spcPct val="150000"/>
+              </a:lnSpc>
             </a:pPr>
             <a:r>
               <a:rPr lang="en-GB" sz="2000" dirty="0">
                 <a:latin typeface="Calibri" panose="020F0502020204030204" pitchFamily="34" charset="0"/>
                 <a:cs typeface="Calibri" panose="020F0502020204030204" pitchFamily="34" charset="0"/>
               </a:rPr>
-              <a:t>                    Eclipse IDE</a:t>
-            </a:r>
-          </a:p>
-          <a:p>
-            <a:pPr marL="0" indent="0">
-              <a:buNone/>
+              <a:t>Improve user interaction with the library through intuitive interfaces and streamlined processes.</a:t>
+            </a:r>
+          </a:p>
+          <a:p>
+            <a:pPr>
+              <a:lnSpc>
+                <a:spcPct val="150000"/>
+              </a:lnSpc>
             </a:pPr>
             <a:r>
               <a:rPr lang="en-GB" sz="2000" dirty="0">
                 <a:latin typeface="Calibri" panose="020F0502020204030204" pitchFamily="34" charset="0"/>
                 <a:cs typeface="Calibri" panose="020F0502020204030204" pitchFamily="34" charset="0"/>
               </a:rPr>
-              <a:t>                    MYSQL for Database </a:t>
-            </a:r>
-          </a:p>
-          <a:p>
-            <a:pPr marL="0" indent="0">
-              <a:buNone/>
+              <a:t>Automate routine tasks such as book data entry, and maintenance of records.</a:t>
+            </a:r>
+          </a:p>
+          <a:p>
+            <a:pPr>
+              <a:lnSpc>
+                <a:spcPct val="150000"/>
+              </a:lnSpc>
             </a:pPr>
             <a:r>
               <a:rPr lang="en-GB" sz="2000" dirty="0">
                 <a:latin typeface="Calibri" panose="020F0502020204030204" pitchFamily="34" charset="0"/>
                 <a:cs typeface="Calibri" panose="020F0502020204030204" pitchFamily="34" charset="0"/>
               </a:rPr>
-              <a:t>                    JAVA Programming Language </a:t>
-            </a:r>
-          </a:p>
-          <a:p>
-            <a:pPr marL="0" indent="0">
-              <a:buNone/>
+              <a:t>Provide role-based access control for different users (member , librarian, ).</a:t>
+            </a:r>
+          </a:p>
+          <a:p>
+            <a:pPr>
+              <a:lnSpc>
+                <a:spcPct val="150000"/>
+              </a:lnSpc>
             </a:pPr>
             <a:r>
               <a:rPr lang="en-GB" sz="2000" dirty="0">
                 <a:latin typeface="Calibri" panose="020F0502020204030204" pitchFamily="34" charset="0"/>
                 <a:cs typeface="Calibri" panose="020F0502020204030204" pitchFamily="34" charset="0"/>
               </a:rPr>
-              <a:t>                    Hibernate Framework</a:t>
-            </a:r>
+              <a:t>Generate various reports, such as daily transactions, late returns, and user activity.</a:t>
+            </a:r>
+          </a:p>
+          <a:p>
+            <a:pPr>
+              <a:lnSpc>
+                <a:spcPct val="150000"/>
+              </a:lnSpc>
+            </a:pPr>
+            <a:r>
+              <a:rPr lang="en-GB" sz="2000" dirty="0"/>
+              <a:t>Manage library members, including  visitors  and librarians.</a:t>
+            </a:r>
+            <a:endParaRPr lang="en-GB" sz="2000" dirty="0">
+              <a:latin typeface="Calibri" panose="020F0502020204030204" pitchFamily="34" charset="0"/>
+              <a:cs typeface="Calibri" panose="020F0502020204030204" pitchFamily="34" charset="0"/>
+            </a:endParaRPr>
           </a:p>
         </p:txBody>
       </p:sp>
     </p:spTree>
     <p:extLst>
       <p:ext uri="{BB962C8B-B14F-4D97-AF65-F5344CB8AC3E}">
-        <p14:creationId xmlns:p14="http://schemas.microsoft.com/office/powerpoint/2010/main" val="1797796690"/>
+        <p14:creationId xmlns:p14="http://schemas.microsoft.com/office/powerpoint/2010/main" val="195198662"/>
       </p:ext>
     </p:extLst>
   </p:cSld>
@@ -8190,7 +7089,7 @@
           <p:cNvPr id="2" name="Title 1">
             <a:extLst>
               <a:ext uri="{FF2B5EF4-FFF2-40B4-BE49-F238E27FC236}">
-                <a16:creationId xmlns:a16="http://schemas.microsoft.com/office/drawing/2014/main" id="{A9ABE7CE-5341-E832-1189-84552E14A2A4}"/>
+                <a16:creationId xmlns:a16="http://schemas.microsoft.com/office/drawing/2014/main" id="{745FC9EB-72BE-9295-DB85-931D0207237A}"/>
               </a:ext>
             </a:extLst>
           </p:cNvPr>
@@ -8203,8 +7102,8 @@
         </p:nvSpPr>
         <p:spPr>
           <a:xfrm>
-            <a:off x="1484311" y="685801"/>
-            <a:ext cx="10018713" cy="1169503"/>
+            <a:off x="1484311" y="1"/>
+            <a:ext cx="10018713" cy="1550504"/>
           </a:xfrm>
         </p:spPr>
         <p:txBody>
@@ -8217,7 +7116,7 @@
               <a:rPr lang="en-GB" dirty="0">
                 <a:latin typeface="Arial Black" panose="020B0A04020102020204" pitchFamily="34" charset="0"/>
               </a:rPr>
-              <a:t>Eclipse IDE</a:t>
+              <a:t>PURPOSE</a:t>
             </a:r>
           </a:p>
         </p:txBody>
@@ -8227,7 +7126,7 @@
           <p:cNvPr id="3" name="Content Placeholder 2">
             <a:extLst>
               <a:ext uri="{FF2B5EF4-FFF2-40B4-BE49-F238E27FC236}">
-                <a16:creationId xmlns:a16="http://schemas.microsoft.com/office/drawing/2014/main" id="{3E690DC2-A7E2-5E9F-104D-275DD13B065A}"/>
+                <a16:creationId xmlns:a16="http://schemas.microsoft.com/office/drawing/2014/main" id="{AD1817B6-1765-9C62-B59A-5B3EEB213446}"/>
               </a:ext>
             </a:extLst>
           </p:cNvPr>
@@ -8240,91 +7139,77 @@
         </p:nvSpPr>
         <p:spPr>
           <a:xfrm>
-            <a:off x="1484310" y="1497496"/>
-            <a:ext cx="10018713" cy="3935895"/>
+            <a:off x="1484310" y="1868557"/>
+            <a:ext cx="10018713" cy="4214191"/>
           </a:xfrm>
         </p:spPr>
         <p:txBody>
           <a:bodyPr>
-            <a:normAutofit/>
+            <a:noAutofit/>
           </a:bodyPr>
           <a:lstStyle/>
           <a:p>
-            <a:pPr marL="0" indent="0" algn="just">
+            <a:pPr>
               <a:lnSpc>
-                <a:spcPct val="150000"/>
+                <a:spcPct val="160000"/>
               </a:lnSpc>
-              <a:buNone/>
             </a:pPr>
             <a:r>
               <a:rPr lang="en-GB" sz="2000" dirty="0">
                 <a:latin typeface="Calibri" panose="020F0502020204030204" pitchFamily="34" charset="0"/>
                 <a:cs typeface="Calibri" panose="020F0502020204030204" pitchFamily="34" charset="0"/>
               </a:rPr>
-              <a:t>                   Eclipse is an </a:t>
-            </a:r>
-            <a:r>
-              <a:rPr lang="en-GB" sz="2000" b="1" dirty="0">
-                <a:latin typeface="Calibri" panose="020F0502020204030204" pitchFamily="34" charset="0"/>
-                <a:cs typeface="Calibri" panose="020F0502020204030204" pitchFamily="34" charset="0"/>
-              </a:rPr>
-              <a:t>Integrated Development Environment (IDE) </a:t>
-            </a:r>
+              <a:t>Help library administrators monitor usage, improve services, and make informed decisions based on data.</a:t>
+            </a:r>
+          </a:p>
+          <a:p>
+            <a:pPr>
+              <a:lnSpc>
+                <a:spcPct val="160000"/>
+              </a:lnSpc>
+            </a:pPr>
             <a:r>
               <a:rPr lang="en-GB" sz="2000" dirty="0">
                 <a:latin typeface="Calibri" panose="020F0502020204030204" pitchFamily="34" charset="0"/>
                 <a:cs typeface="Calibri" panose="020F0502020204030204" pitchFamily="34" charset="0"/>
               </a:rPr>
-              <a:t>used in computer programming. It contains a base workspace and an extensible plug-in system for customizing the environment. It had been the most popular IDE for Java development Kit.</a:t>
-            </a:r>
-          </a:p>
-          <a:p>
-            <a:pPr marL="0" indent="0" algn="just">
+              <a:t>Enhance user experience by enabling quick access to desired materials based on author, title, subject .</a:t>
+            </a:r>
+          </a:p>
+          <a:p>
+            <a:pPr>
               <a:lnSpc>
-                <a:spcPct val="150000"/>
+                <a:spcPct val="160000"/>
               </a:lnSpc>
-              <a:buNone/>
             </a:pPr>
             <a:r>
               <a:rPr lang="en-GB" sz="2000" dirty="0">
                 <a:latin typeface="Calibri" panose="020F0502020204030204" pitchFamily="34" charset="0"/>
                 <a:cs typeface="Calibri" panose="020F0502020204030204" pitchFamily="34" charset="0"/>
               </a:rPr>
-              <a:t>                  The Eclipse </a:t>
-            </a:r>
-            <a:r>
-              <a:rPr lang="en-GB" sz="2000" b="1" dirty="0">
-                <a:latin typeface="Calibri" panose="020F0502020204030204" pitchFamily="34" charset="0"/>
-                <a:cs typeface="Calibri" panose="020F0502020204030204" pitchFamily="34" charset="0"/>
-              </a:rPr>
-              <a:t>Software Development Kit (SDK) </a:t>
-            </a:r>
+              <a:t>Keep track of user details, membership status, and their borrowing history,  outstanding items.</a:t>
+            </a:r>
+          </a:p>
+          <a:p>
+            <a:pPr>
+              <a:lnSpc>
+                <a:spcPct val="160000"/>
+              </a:lnSpc>
+            </a:pPr>
             <a:r>
               <a:rPr lang="en-GB" sz="2000" dirty="0">
                 <a:latin typeface="Calibri" panose="020F0502020204030204" pitchFamily="34" charset="0"/>
                 <a:cs typeface="Calibri" panose="020F0502020204030204" pitchFamily="34" charset="0"/>
               </a:rPr>
-              <a:t>is free and open-source software, released under the terms of the Eclipse Public License.</a:t>
-            </a:r>
-          </a:p>
-          <a:p>
-            <a:pPr marL="0" indent="0" algn="just">
-              <a:lnSpc>
-                <a:spcPct val="150000"/>
-              </a:lnSpc>
-              <a:buNone/>
-            </a:pPr>
-            <a:endParaRPr lang="en-GB" sz="2000" dirty="0">
-              <a:latin typeface="Calibri" panose="020F0502020204030204" pitchFamily="34" charset="0"/>
-              <a:cs typeface="Calibri" panose="020F0502020204030204" pitchFamily="34" charset="0"/>
-            </a:endParaRPr>
+              <a:t>Ensure all library resources are properly indexed, categorized, and searchable by members and library staff.</a:t>
+            </a:r>
           </a:p>
         </p:txBody>
       </p:sp>
     </p:spTree>
     <p:extLst>
       <p:ext uri="{BB962C8B-B14F-4D97-AF65-F5344CB8AC3E}">
-        <p14:creationId xmlns:p14="http://schemas.microsoft.com/office/powerpoint/2010/main" val="1338615135"/>
+        <p14:creationId xmlns:p14="http://schemas.microsoft.com/office/powerpoint/2010/main" val="255426180"/>
       </p:ext>
     </p:extLst>
   </p:cSld>
@@ -8356,7 +7241,7 @@
           <p:cNvPr id="2" name="Title 1">
             <a:extLst>
               <a:ext uri="{FF2B5EF4-FFF2-40B4-BE49-F238E27FC236}">
-                <a16:creationId xmlns:a16="http://schemas.microsoft.com/office/drawing/2014/main" id="{183C8381-96B4-D926-9E3A-EC6945B3601E}"/>
+                <a16:creationId xmlns:a16="http://schemas.microsoft.com/office/drawing/2014/main" id="{4052C9E5-131D-04E2-50EA-BBB178B2BD54}"/>
               </a:ext>
             </a:extLst>
           </p:cNvPr>
@@ -8369,8 +7254,8 @@
         </p:nvSpPr>
         <p:spPr>
           <a:xfrm>
-            <a:off x="1484311" y="410817"/>
-            <a:ext cx="10018713" cy="1338470"/>
+            <a:off x="1484311" y="172279"/>
+            <a:ext cx="10018713" cy="808382"/>
           </a:xfrm>
         </p:spPr>
         <p:txBody>
@@ -8380,147 +7265,47 @@
           <a:lstStyle/>
           <a:p>
             <a:r>
-              <a:rPr lang="en-GB" sz="3600" dirty="0">
-                <a:latin typeface="Arial Black" panose="020B0A04020102020204" pitchFamily="34" charset="0"/>
-              </a:rPr>
-              <a:t>MySQL</a:t>
-            </a:r>
-            <a:r>
               <a:rPr lang="en-GB" dirty="0">
                 <a:latin typeface="Arial Black" panose="020B0A04020102020204" pitchFamily="34" charset="0"/>
               </a:rPr>
-              <a:t> </a:t>
-            </a:r>
-            <a:r>
-              <a:rPr lang="en-GB" sz="3600" dirty="0">
-                <a:latin typeface="Arial Black" panose="020B0A04020102020204" pitchFamily="34" charset="0"/>
-              </a:rPr>
-              <a:t>Workbench</a:t>
-            </a:r>
-            <a:br>
-              <a:rPr lang="en-GB" dirty="0">
-                <a:latin typeface="Arial Black" panose="020B0A04020102020204" pitchFamily="34" charset="0"/>
-              </a:rPr>
-            </a:br>
-            <a:endParaRPr lang="en-GB" dirty="0">
-              <a:latin typeface="Arial Black" panose="020B0A04020102020204" pitchFamily="34" charset="0"/>
-            </a:endParaRPr>
-          </a:p>
-        </p:txBody>
-      </p:sp>
-      <p:sp>
-        <p:nvSpPr>
-          <p:cNvPr id="3" name="Content Placeholder 2">
+              <a:t>    ER DIAGRAM</a:t>
+            </a:r>
+          </a:p>
+        </p:txBody>
+      </p:sp>
+      <p:pic>
+        <p:nvPicPr>
+          <p:cNvPr id="19" name="Content Placeholder 18">
             <a:extLst>
               <a:ext uri="{FF2B5EF4-FFF2-40B4-BE49-F238E27FC236}">
-                <a16:creationId xmlns:a16="http://schemas.microsoft.com/office/drawing/2014/main" id="{3F9B039E-65DB-2CA2-062E-DD6907760239}"/>
+                <a16:creationId xmlns:a16="http://schemas.microsoft.com/office/drawing/2014/main" id="{C11EA695-4660-9D00-C79B-9EF04E7036FD}"/>
               </a:ext>
             </a:extLst>
           </p:cNvPr>
-          <p:cNvSpPr>
-            <a:spLocks noGrp="1"/>
-          </p:cNvSpPr>
+          <p:cNvPicPr>
+            <a:picLocks noGrp="1" noChangeAspect="1"/>
+          </p:cNvPicPr>
           <p:nvPr>
             <p:ph idx="1"/>
           </p:nvPr>
-        </p:nvSpPr>
+        </p:nvPicPr>
+        <p:blipFill>
+          <a:blip r:embed="rId2"/>
+          <a:stretch>
+            <a:fillRect/>
+          </a:stretch>
+        </p:blipFill>
         <p:spPr>
           <a:xfrm>
-            <a:off x="1484311" y="1285461"/>
-            <a:ext cx="10018713" cy="5062330"/>
+            <a:off x="2054087" y="980661"/>
+            <a:ext cx="9607826" cy="5367130"/>
           </a:xfrm>
         </p:spPr>
-        <p:txBody>
-          <a:bodyPr>
-            <a:normAutofit/>
-          </a:bodyPr>
-          <a:lstStyle/>
-          <a:p>
-            <a:pPr marL="0" indent="0" algn="just">
-              <a:lnSpc>
-                <a:spcPct val="150000"/>
-              </a:lnSpc>
-              <a:buNone/>
-            </a:pPr>
-            <a:r>
-              <a:rPr lang="en-GB" sz="2000" b="1" dirty="0">
-                <a:latin typeface="Calibri" panose="020F0502020204030204" pitchFamily="34" charset="0"/>
-                <a:cs typeface="Calibri" panose="020F0502020204030204" pitchFamily="34" charset="0"/>
-              </a:rPr>
-              <a:t>                    MySQL Workbench </a:t>
-            </a:r>
-            <a:r>
-              <a:rPr lang="en-GB" sz="2000" dirty="0">
-                <a:latin typeface="Calibri" panose="020F0502020204030204" pitchFamily="34" charset="0"/>
-                <a:cs typeface="Calibri" panose="020F0502020204030204" pitchFamily="34" charset="0"/>
-              </a:rPr>
-              <a:t>is a visual database design tool that integrates SQL development, administration, database design, creation and maintenance into a single integrated development environment for the MySQL database system.</a:t>
-            </a:r>
-          </a:p>
-          <a:p>
-            <a:pPr marL="0" indent="0" algn="just">
-              <a:lnSpc>
-                <a:spcPct val="150000"/>
-              </a:lnSpc>
-              <a:buNone/>
-            </a:pPr>
-            <a:r>
-              <a:rPr lang="en-GB" sz="2000" dirty="0">
-                <a:latin typeface="Calibri" panose="020F0502020204030204" pitchFamily="34" charset="0"/>
-                <a:cs typeface="Calibri" panose="020F0502020204030204" pitchFamily="34" charset="0"/>
-              </a:rPr>
-              <a:t>                    The </a:t>
-            </a:r>
-            <a:r>
-              <a:rPr lang="en-GB" sz="2000" b="1" dirty="0">
-                <a:latin typeface="Calibri" panose="020F0502020204030204" pitchFamily="34" charset="0"/>
-                <a:cs typeface="Calibri" panose="020F0502020204030204" pitchFamily="34" charset="0"/>
-              </a:rPr>
-              <a:t>MySQL GUI Tools Bundle </a:t>
-            </a:r>
-            <a:r>
-              <a:rPr lang="en-GB" sz="2000" dirty="0">
-                <a:latin typeface="Calibri" panose="020F0502020204030204" pitchFamily="34" charset="0"/>
-                <a:cs typeface="Calibri" panose="020F0502020204030204" pitchFamily="34" charset="0"/>
-              </a:rPr>
-              <a:t>is a cross-platform open-source suite of desktop applications for the administration of MySQL database servers, and for building and manipulating the data within MySQL databases. </a:t>
-            </a:r>
-          </a:p>
-          <a:p>
-            <a:pPr marL="0" indent="0" algn="just">
-              <a:lnSpc>
-                <a:spcPct val="150000"/>
-              </a:lnSpc>
-              <a:buNone/>
-            </a:pPr>
-            <a:r>
-              <a:rPr lang="en-GB" sz="2000" dirty="0">
-                <a:latin typeface="Calibri" panose="020F0502020204030204" pitchFamily="34" charset="0"/>
-                <a:cs typeface="Calibri" panose="020F0502020204030204" pitchFamily="34" charset="0"/>
-              </a:rPr>
-              <a:t>                    It was developed by MySQL AB and later by </a:t>
-            </a:r>
-            <a:r>
-              <a:rPr lang="en-GB" sz="2000" b="1" dirty="0">
-                <a:latin typeface="Calibri" panose="020F0502020204030204" pitchFamily="34" charset="0"/>
-                <a:cs typeface="Calibri" panose="020F0502020204030204" pitchFamily="34" charset="0"/>
-              </a:rPr>
-              <a:t>Sun Microsystems </a:t>
-            </a:r>
-            <a:r>
-              <a:rPr lang="en-GB" sz="2000" dirty="0">
-                <a:latin typeface="Calibri" panose="020F0502020204030204" pitchFamily="34" charset="0"/>
-                <a:cs typeface="Calibri" panose="020F0502020204030204" pitchFamily="34" charset="0"/>
-              </a:rPr>
-              <a:t>and released under the GPL.</a:t>
-            </a:r>
-          </a:p>
-        </p:txBody>
-      </p:sp>
+      </p:pic>
     </p:spTree>
     <p:extLst>
       <p:ext uri="{BB962C8B-B14F-4D97-AF65-F5344CB8AC3E}">
-        <p14:creationId xmlns:p14="http://schemas.microsoft.com/office/powerpoint/2010/main" val="3329287763"/>
+        <p14:creationId xmlns:p14="http://schemas.microsoft.com/office/powerpoint/2010/main" val="1319685150"/>
       </p:ext>
     </p:extLst>
   </p:cSld>
@@ -8552,7 +7337,7 @@
           <p:cNvPr id="2" name="Title 1">
             <a:extLst>
               <a:ext uri="{FF2B5EF4-FFF2-40B4-BE49-F238E27FC236}">
-                <a16:creationId xmlns:a16="http://schemas.microsoft.com/office/drawing/2014/main" id="{B072E1B1-0FC7-53F7-49DB-318AD2A587B4}"/>
+                <a16:creationId xmlns:a16="http://schemas.microsoft.com/office/drawing/2014/main" id="{2F7AA132-830C-DF0A-C3CF-7BCEE1DC6364}"/>
               </a:ext>
             </a:extLst>
           </p:cNvPr>
@@ -8565,21 +7350,23 @@
         </p:nvSpPr>
         <p:spPr>
           <a:xfrm>
-            <a:off x="1484311" y="685801"/>
-            <a:ext cx="10018713" cy="1262270"/>
+            <a:off x="1484311" y="1"/>
+            <a:ext cx="10018713" cy="1073426"/>
           </a:xfrm>
         </p:spPr>
         <p:txBody>
-          <a:bodyPr>
-            <a:normAutofit/>
-          </a:bodyPr>
+          <a:bodyPr/>
           <a:lstStyle/>
           <a:p>
             <a:r>
-              <a:rPr lang="en-GB" sz="3600" dirty="0">
+              <a:rPr lang="en-GB" dirty="0">
                 <a:latin typeface="Arial Black" panose="020B0A04020102020204" pitchFamily="34" charset="0"/>
               </a:rPr>
-              <a:t>JAVA Programming Language</a:t>
+              <a:t>TECHNOLOGY</a:t>
+            </a:r>
+            <a:r>
+              <a:rPr lang="en-GB" dirty="0"/>
+              <a:t> </a:t>
             </a:r>
           </a:p>
         </p:txBody>
@@ -8589,7 +7376,7 @@
           <p:cNvPr id="3" name="Content Placeholder 2">
             <a:extLst>
               <a:ext uri="{FF2B5EF4-FFF2-40B4-BE49-F238E27FC236}">
-                <a16:creationId xmlns:a16="http://schemas.microsoft.com/office/drawing/2014/main" id="{ED504013-9243-A19F-78A3-1E7ACB33318E}"/>
+                <a16:creationId xmlns:a16="http://schemas.microsoft.com/office/drawing/2014/main" id="{2DB204C9-32C8-4FA1-D1DB-B88A71240A06}"/>
               </a:ext>
             </a:extLst>
           </p:cNvPr>
@@ -8602,43 +7389,124 @@
         </p:nvSpPr>
         <p:spPr>
           <a:xfrm>
-            <a:off x="1484310" y="1948071"/>
-            <a:ext cx="10018713" cy="3843129"/>
+            <a:off x="1484310" y="1192695"/>
+            <a:ext cx="10018713" cy="5247861"/>
           </a:xfrm>
         </p:spPr>
         <p:txBody>
           <a:bodyPr>
-            <a:noAutofit/>
+            <a:normAutofit fontScale="92500" lnSpcReduction="10000"/>
           </a:bodyPr>
           <a:lstStyle/>
           <a:p>
-            <a:pPr marL="0" indent="0" algn="just">
+            <a:pPr marL="0" indent="0">
+              <a:buNone/>
+            </a:pPr>
+            <a:r>
+              <a:rPr lang="en-GB" sz="2800" dirty="0">
+                <a:latin typeface="Arial Black" panose="020B0A04020102020204" pitchFamily="34" charset="0"/>
+              </a:rPr>
+              <a:t>Software Requirements :-</a:t>
+            </a:r>
+          </a:p>
+          <a:p>
+            <a:pPr>
               <a:lnSpc>
                 <a:spcPct val="150000"/>
               </a:lnSpc>
-              <a:buNone/>
+              <a:buFont typeface="Arial" panose="020B0604020202020204" pitchFamily="34" charset="0"/>
+              <a:buChar char="•"/>
             </a:pPr>
+            <a:r>
+              <a:rPr lang="en-GB" sz="2000" b="1" dirty="0">
+                <a:latin typeface="Calibri" panose="020F0502020204030204" pitchFamily="34" charset="0"/>
+                <a:cs typeface="Calibri" panose="020F0502020204030204" pitchFamily="34" charset="0"/>
+              </a:rPr>
+              <a:t>Java</a:t>
+            </a:r>
             <a:r>
               <a:rPr lang="en-GB" sz="2000" dirty="0">
                 <a:latin typeface="Calibri" panose="020F0502020204030204" pitchFamily="34" charset="0"/>
                 <a:cs typeface="Calibri" panose="020F0502020204030204" pitchFamily="34" charset="0"/>
               </a:rPr>
-              <a:t>                Java is a high-level, class-based, object-oriented programming language that is designed to have as few implementation dependencies as possible. It is a general-purpose programming language intended to let programmers write once, run anywhere (WORA), meaning that compiled Java code can run on all platforms that support Java without the need to recompile.</a:t>
-            </a:r>
-          </a:p>
-          <a:p>
-            <a:pPr marL="0" indent="0" algn="just">
+              <a:t> is the core language for the project, and the JDK includes the Java compiler, runtime environment, and necessary libraries</a:t>
+            </a:r>
+            <a:r>
+              <a:rPr lang="en-GB" sz="2000" dirty="0"/>
+              <a:t>.</a:t>
+            </a:r>
+          </a:p>
+          <a:p>
+            <a:pPr>
               <a:lnSpc>
                 <a:spcPct val="150000"/>
               </a:lnSpc>
-              <a:buNone/>
+              <a:buFont typeface="Arial" panose="020B0604020202020204" pitchFamily="34" charset="0"/>
+              <a:buChar char="•"/>
             </a:pPr>
+            <a:r>
+              <a:rPr lang="en-GB" sz="2000" b="1" dirty="0"/>
+              <a:t>Eclipse</a:t>
+            </a:r>
+            <a:r>
+              <a:rPr lang="en-GB" sz="2000" dirty="0"/>
+              <a:t> is the </a:t>
+            </a:r>
+            <a:r>
+              <a:rPr lang="en-GB" sz="2000" b="1" dirty="0"/>
+              <a:t>Integrated Development Environment (IDE) </a:t>
+            </a:r>
+            <a:r>
+              <a:rPr lang="en-GB" sz="2000" dirty="0"/>
+              <a:t>where we will write, test, and debug our Java code. It also supports plugins for Hibernate and MySQL.</a:t>
+            </a:r>
+          </a:p>
+          <a:p>
+            <a:pPr>
+              <a:lnSpc>
+                <a:spcPct val="150000"/>
+              </a:lnSpc>
+              <a:buFont typeface="Arial" panose="020B0604020202020204" pitchFamily="34" charset="0"/>
+              <a:buChar char="•"/>
+            </a:pPr>
+            <a:r>
+              <a:rPr lang="en-GB" sz="2000" b="1" dirty="0"/>
+              <a:t>Hibernate </a:t>
+            </a:r>
+            <a:r>
+              <a:rPr lang="en-GB" sz="2000" dirty="0"/>
+              <a:t>is  an  </a:t>
+            </a:r>
+            <a:r>
+              <a:rPr lang="en-GB" sz="2000" b="1" dirty="0"/>
+              <a:t>Object-Relational Mapping (ORM) framework </a:t>
+            </a:r>
+            <a:r>
+              <a:rPr lang="en-GB" sz="2000" dirty="0"/>
+              <a:t>that will manage database interactions. It simplifies database access and reduces the need for complex SQL queries by mapping Java objects to database tables. You’ll need to include Hibernate libraries and configure the Hibernate configuration file (hibernate.cfg.xml) .</a:t>
+            </a:r>
+          </a:p>
+          <a:p>
+            <a:pPr>
+              <a:lnSpc>
+                <a:spcPct val="150000"/>
+              </a:lnSpc>
+              <a:buFont typeface="Arial" panose="020B0604020202020204" pitchFamily="34" charset="0"/>
+              <a:buChar char="•"/>
+            </a:pPr>
+            <a:r>
+              <a:rPr lang="en-GB" sz="2000" b="1" dirty="0">
+                <a:latin typeface="Calibri" panose="020F0502020204030204" pitchFamily="34" charset="0"/>
+                <a:cs typeface="Calibri" panose="020F0502020204030204" pitchFamily="34" charset="0"/>
+              </a:rPr>
+              <a:t>MySQL</a:t>
+            </a:r>
             <a:r>
               <a:rPr lang="en-GB" sz="2000" dirty="0">
                 <a:latin typeface="Calibri" panose="020F0502020204030204" pitchFamily="34" charset="0"/>
                 <a:cs typeface="Calibri" panose="020F0502020204030204" pitchFamily="34" charset="0"/>
               </a:rPr>
-              <a:t>                 Java was originally developed by James Gosling at Sun Microsystems. It was released in May 1995 as a core component of Sun's Java platform. </a:t>
+              <a:t> will store the library's data such as books, users, and transactions. You'll need to set up a database to store all your entities.</a:t>
             </a:r>
           </a:p>
         </p:txBody>
@@ -8646,7 +7514,7 @@
     </p:spTree>
     <p:extLst>
       <p:ext uri="{BB962C8B-B14F-4D97-AF65-F5344CB8AC3E}">
-        <p14:creationId xmlns:p14="http://schemas.microsoft.com/office/powerpoint/2010/main" val="106363007"/>
+        <p14:creationId xmlns:p14="http://schemas.microsoft.com/office/powerpoint/2010/main" val="1797796690"/>
       </p:ext>
     </p:extLst>
   </p:cSld>
@@ -8678,7 +7546,7 @@
           <p:cNvPr id="2" name="Title 1">
             <a:extLst>
               <a:ext uri="{FF2B5EF4-FFF2-40B4-BE49-F238E27FC236}">
-                <a16:creationId xmlns:a16="http://schemas.microsoft.com/office/drawing/2014/main" id="{C8BCAC1D-7AC8-3B84-4C21-D88177DAF0D8}"/>
+                <a16:creationId xmlns:a16="http://schemas.microsoft.com/office/drawing/2014/main" id="{DA7249BC-F022-F94D-B983-9F11A84B6686}"/>
               </a:ext>
             </a:extLst>
           </p:cNvPr>
@@ -8691,8 +7559,43 @@
         </p:nvSpPr>
         <p:spPr>
           <a:xfrm>
-            <a:off x="1484311" y="265043"/>
-            <a:ext cx="10018713" cy="1073427"/>
+            <a:off x="1484311" y="0"/>
+            <a:ext cx="10018713" cy="1908313"/>
+          </a:xfrm>
+        </p:spPr>
+        <p:txBody>
+          <a:bodyPr/>
+          <a:lstStyle/>
+          <a:p>
+            <a:r>
+              <a:rPr lang="en-GB" dirty="0">
+                <a:latin typeface="Arial Black" panose="020B0A04020102020204" pitchFamily="34" charset="0"/>
+              </a:rPr>
+              <a:t>TECHNOLOGY</a:t>
+            </a:r>
+          </a:p>
+        </p:txBody>
+      </p:sp>
+      <p:sp>
+        <p:nvSpPr>
+          <p:cNvPr id="3" name="Content Placeholder 2">
+            <a:extLst>
+              <a:ext uri="{FF2B5EF4-FFF2-40B4-BE49-F238E27FC236}">
+                <a16:creationId xmlns:a16="http://schemas.microsoft.com/office/drawing/2014/main" id="{DD94067F-6C62-1AA7-7F06-FDAB16CD2511}"/>
+              </a:ext>
+            </a:extLst>
+          </p:cNvPr>
+          <p:cNvSpPr>
+            <a:spLocks noGrp="1"/>
+          </p:cNvSpPr>
+          <p:nvPr>
+            <p:ph idx="1"/>
+          </p:nvPr>
+        </p:nvSpPr>
+        <p:spPr>
+          <a:xfrm>
+            <a:off x="1696278" y="1709531"/>
+            <a:ext cx="10495722" cy="4081670"/>
           </a:xfrm>
         </p:spPr>
         <p:txBody>
@@ -8701,168 +7604,60 @@
           </a:bodyPr>
           <a:lstStyle/>
           <a:p>
-            <a:r>
-              <a:rPr lang="en-GB" sz="3600" dirty="0">
-                <a:latin typeface="Arial Black" panose="020B0A04020102020204" pitchFamily="34" charset="0"/>
-              </a:rPr>
-              <a:t>Hibernate Framework</a:t>
-            </a:r>
-          </a:p>
-        </p:txBody>
-      </p:sp>
-      <p:sp>
-        <p:nvSpPr>
-          <p:cNvPr id="3" name="Content Placeholder 2">
-            <a:extLst>
-              <a:ext uri="{FF2B5EF4-FFF2-40B4-BE49-F238E27FC236}">
-                <a16:creationId xmlns:a16="http://schemas.microsoft.com/office/drawing/2014/main" id="{7E6C172B-BC30-C3D7-EF3B-1BE96DF31DDF}"/>
-              </a:ext>
-            </a:extLst>
-          </p:cNvPr>
-          <p:cNvSpPr>
-            <a:spLocks noGrp="1"/>
-          </p:cNvSpPr>
-          <p:nvPr>
-            <p:ph idx="1"/>
-          </p:nvPr>
-        </p:nvSpPr>
-        <p:spPr>
-          <a:xfrm>
-            <a:off x="1484310" y="1338470"/>
-            <a:ext cx="10018713" cy="4982817"/>
-          </a:xfrm>
-        </p:spPr>
-        <p:txBody>
-          <a:bodyPr>
-            <a:noAutofit/>
-          </a:bodyPr>
-          <a:lstStyle/>
-          <a:p>
-            <a:pPr marL="0" indent="0" algn="just">
+            <a:pPr marL="0" indent="0">
+              <a:buNone/>
+            </a:pPr>
+            <a:r>
+              <a:rPr lang="en-GB" sz="3200" b="1" dirty="0"/>
+              <a:t>Hardware  Requirements :-</a:t>
+            </a:r>
+          </a:p>
+          <a:p>
+            <a:pPr>
               <a:lnSpc>
                 <a:spcPct val="150000"/>
               </a:lnSpc>
-              <a:buNone/>
+              <a:buFont typeface="Arial" panose="020B0604020202020204" pitchFamily="34" charset="0"/>
+              <a:buChar char="•"/>
             </a:pPr>
             <a:r>
-              <a:rPr lang="en-GB" sz="2000" dirty="0">
+              <a:rPr lang="en-GB" b="1" dirty="0">
                 <a:latin typeface="Calibri" panose="020F0502020204030204" pitchFamily="34" charset="0"/>
                 <a:cs typeface="Calibri" panose="020F0502020204030204" pitchFamily="34" charset="0"/>
               </a:rPr>
-              <a:t>                      </a:t>
-            </a:r>
-            <a:r>
-              <a:rPr lang="en-GB" sz="2000" b="1" dirty="0">
+              <a:t>intel core i5 processor.</a:t>
+            </a:r>
+          </a:p>
+          <a:p>
+            <a:pPr>
+              <a:lnSpc>
+                <a:spcPct val="150000"/>
+              </a:lnSpc>
+              <a:buFont typeface="Arial" panose="020B0604020202020204" pitchFamily="34" charset="0"/>
+              <a:buChar char="•"/>
+            </a:pPr>
+            <a:r>
+              <a:rPr lang="en-GB" b="1" dirty="0">
                 <a:latin typeface="Calibri" panose="020F0502020204030204" pitchFamily="34" charset="0"/>
                 <a:cs typeface="Calibri" panose="020F0502020204030204" pitchFamily="34" charset="0"/>
               </a:rPr>
-              <a:t>Hibernate</a:t>
-            </a:r>
-            <a:r>
-              <a:rPr lang="en-GB" sz="2000" dirty="0">
+              <a:t>Keyboard </a:t>
+            </a:r>
+          </a:p>
+          <a:p>
+            <a:pPr>
+              <a:lnSpc>
+                <a:spcPct val="150000"/>
+              </a:lnSpc>
+              <a:buFont typeface="Arial" panose="020B0604020202020204" pitchFamily="34" charset="0"/>
+              <a:buChar char="•"/>
+            </a:pPr>
+            <a:r>
+              <a:rPr lang="en-GB" b="1" dirty="0">
                 <a:latin typeface="Calibri" panose="020F0502020204030204" pitchFamily="34" charset="0"/>
                 <a:cs typeface="Calibri" panose="020F0502020204030204" pitchFamily="34" charset="0"/>
               </a:rPr>
-              <a:t> </a:t>
-            </a:r>
-            <a:r>
-              <a:rPr lang="en-GB" sz="2000" b="1" dirty="0">
-                <a:latin typeface="Calibri" panose="020F0502020204030204" pitchFamily="34" charset="0"/>
-                <a:cs typeface="Calibri" panose="020F0502020204030204" pitchFamily="34" charset="0"/>
-              </a:rPr>
-              <a:t>ORM</a:t>
-            </a:r>
-            <a:r>
-              <a:rPr lang="en-GB" sz="2000" dirty="0">
-                <a:latin typeface="Calibri" panose="020F0502020204030204" pitchFamily="34" charset="0"/>
-                <a:cs typeface="Calibri" panose="020F0502020204030204" pitchFamily="34" charset="0"/>
-              </a:rPr>
-              <a:t> (or simply Hibernate) is an object–relational mapping tool for the Java programming language. It provides a framework for mapping an object-oriented domain model to a relational database. Hibernate handles  </a:t>
-            </a:r>
-            <a:r>
-              <a:rPr lang="en-GB" sz="2000" b="1" dirty="0">
-                <a:latin typeface="Calibri" panose="020F0502020204030204" pitchFamily="34" charset="0"/>
-                <a:cs typeface="Calibri" panose="020F0502020204030204" pitchFamily="34" charset="0"/>
-              </a:rPr>
-              <a:t>persistent</a:t>
-            </a:r>
-            <a:r>
-              <a:rPr lang="en-GB" sz="2000" dirty="0">
-                <a:latin typeface="Calibri" panose="020F0502020204030204" pitchFamily="34" charset="0"/>
-                <a:cs typeface="Calibri" panose="020F0502020204030204" pitchFamily="34" charset="0"/>
-              </a:rPr>
-              <a:t> </a:t>
-            </a:r>
-            <a:r>
-              <a:rPr lang="en-GB" sz="2000" b="1" dirty="0">
-                <a:latin typeface="Calibri" panose="020F0502020204030204" pitchFamily="34" charset="0"/>
-                <a:cs typeface="Calibri" panose="020F0502020204030204" pitchFamily="34" charset="0"/>
-              </a:rPr>
-              <a:t>database</a:t>
-            </a:r>
-            <a:r>
-              <a:rPr lang="en-GB" sz="2000" dirty="0">
-                <a:latin typeface="Calibri" panose="020F0502020204030204" pitchFamily="34" charset="0"/>
-                <a:cs typeface="Calibri" panose="020F0502020204030204" pitchFamily="34" charset="0"/>
-              </a:rPr>
-              <a:t> </a:t>
-            </a:r>
-            <a:r>
-              <a:rPr lang="en-GB" sz="2000" b="1" dirty="0">
-                <a:latin typeface="Calibri" panose="020F0502020204030204" pitchFamily="34" charset="0"/>
-                <a:cs typeface="Calibri" panose="020F0502020204030204" pitchFamily="34" charset="0"/>
-              </a:rPr>
-              <a:t>accesses</a:t>
-            </a:r>
-            <a:r>
-              <a:rPr lang="en-GB" sz="2000" dirty="0">
-                <a:latin typeface="Calibri" panose="020F0502020204030204" pitchFamily="34" charset="0"/>
-                <a:cs typeface="Calibri" panose="020F0502020204030204" pitchFamily="34" charset="0"/>
-              </a:rPr>
-              <a:t> with high-level object handling functions. Hibernate is free software that is distributed under the GNU Lesser General Public License 2.1. Hibernate's primary feature is mapping from Java classes to database tables, and mapping from Java data types to SQL data types. The mapping of Java classes to database tables is implemented by the configuration of an XML file or by using Java Annotations.</a:t>
-            </a:r>
-          </a:p>
-          <a:p>
-            <a:pPr marL="0" indent="0" algn="just">
-              <a:lnSpc>
-                <a:spcPct val="150000"/>
-              </a:lnSpc>
-              <a:buNone/>
-            </a:pPr>
-            <a:r>
-              <a:rPr lang="en-GB" sz="2000" dirty="0">
-                <a:latin typeface="Calibri" panose="020F0502020204030204" pitchFamily="34" charset="0"/>
-                <a:cs typeface="Calibri" panose="020F0502020204030204" pitchFamily="34" charset="0"/>
-              </a:rPr>
-              <a:t>                     There are provided facilities to arrange one-to-many and many-to-many relationships between classes. Hibernate can use the </a:t>
-            </a:r>
-            <a:r>
-              <a:rPr lang="en-GB" sz="2000" b="1" dirty="0">
-                <a:latin typeface="Calibri" panose="020F0502020204030204" pitchFamily="34" charset="0"/>
-                <a:cs typeface="Calibri" panose="020F0502020204030204" pitchFamily="34" charset="0"/>
-              </a:rPr>
-              <a:t>XML file </a:t>
-            </a:r>
-            <a:r>
-              <a:rPr lang="en-GB" sz="2000" dirty="0">
-                <a:latin typeface="Calibri" panose="020F0502020204030204" pitchFamily="34" charset="0"/>
-                <a:cs typeface="Calibri" panose="020F0502020204030204" pitchFamily="34" charset="0"/>
-              </a:rPr>
-              <a:t>or the </a:t>
-            </a:r>
-            <a:r>
-              <a:rPr lang="en-GB" sz="2000" b="1" dirty="0">
-                <a:latin typeface="Calibri" panose="020F0502020204030204" pitchFamily="34" charset="0"/>
-                <a:cs typeface="Calibri" panose="020F0502020204030204" pitchFamily="34" charset="0"/>
-              </a:rPr>
-              <a:t>Java annotations </a:t>
-            </a:r>
-            <a:r>
-              <a:rPr lang="en-GB" sz="2000" dirty="0">
-                <a:latin typeface="Calibri" panose="020F0502020204030204" pitchFamily="34" charset="0"/>
-                <a:cs typeface="Calibri" panose="020F0502020204030204" pitchFamily="34" charset="0"/>
-              </a:rPr>
-              <a:t>to            maintain the database schema.</a:t>
+              <a:t>Mouse </a:t>
             </a:r>
           </a:p>
         </p:txBody>
@@ -8870,7 +7665,7 @@
     </p:spTree>
     <p:extLst>
       <p:ext uri="{BB962C8B-B14F-4D97-AF65-F5344CB8AC3E}">
-        <p14:creationId xmlns:p14="http://schemas.microsoft.com/office/powerpoint/2010/main" val="1060431871"/>
+        <p14:creationId xmlns:p14="http://schemas.microsoft.com/office/powerpoint/2010/main" val="3388312552"/>
       </p:ext>
     </p:extLst>
   </p:cSld>
@@ -8902,7 +7697,7 @@
           <p:cNvPr id="2" name="Title 1">
             <a:extLst>
               <a:ext uri="{FF2B5EF4-FFF2-40B4-BE49-F238E27FC236}">
-                <a16:creationId xmlns:a16="http://schemas.microsoft.com/office/drawing/2014/main" id="{4052C9E5-131D-04E2-50EA-BBB178B2BD54}"/>
+                <a16:creationId xmlns:a16="http://schemas.microsoft.com/office/drawing/2014/main" id="{E3E42A6B-774D-B258-D7C8-2848F30CDD2C}"/>
               </a:ext>
             </a:extLst>
           </p:cNvPr>
@@ -8915,8 +7710,8 @@
         </p:nvSpPr>
         <p:spPr>
           <a:xfrm>
-            <a:off x="1484311" y="172279"/>
-            <a:ext cx="10018713" cy="1073426"/>
+            <a:off x="1484311" y="92766"/>
+            <a:ext cx="8136767" cy="1696277"/>
           </a:xfrm>
         </p:spPr>
         <p:txBody>
@@ -8927,44 +7722,157 @@
               <a:rPr lang="en-GB" dirty="0">
                 <a:latin typeface="Arial Black" panose="020B0A04020102020204" pitchFamily="34" charset="0"/>
               </a:rPr>
-              <a:t>ER DIAGRAM</a:t>
-            </a:r>
-          </a:p>
-        </p:txBody>
-      </p:sp>
-      <p:pic>
-        <p:nvPicPr>
-          <p:cNvPr id="5" name="Content Placeholder 4">
+              <a:t>      Proposed System</a:t>
+            </a:r>
+          </a:p>
+        </p:txBody>
+      </p:sp>
+      <p:sp>
+        <p:nvSpPr>
+          <p:cNvPr id="3" name="Content Placeholder 2">
             <a:extLst>
               <a:ext uri="{FF2B5EF4-FFF2-40B4-BE49-F238E27FC236}">
-                <a16:creationId xmlns:a16="http://schemas.microsoft.com/office/drawing/2014/main" id="{BF028941-2FC7-00A6-A75E-36310AF46D4F}"/>
+                <a16:creationId xmlns:a16="http://schemas.microsoft.com/office/drawing/2014/main" id="{82C999D5-2F99-85B0-764E-6A521F41B98C}"/>
               </a:ext>
             </a:extLst>
           </p:cNvPr>
-          <p:cNvPicPr>
-            <a:picLocks noGrp="1" noChangeAspect="1"/>
-          </p:cNvPicPr>
+          <p:cNvSpPr>
+            <a:spLocks noGrp="1"/>
+          </p:cNvSpPr>
           <p:nvPr>
             <p:ph idx="1"/>
           </p:nvPr>
-        </p:nvPicPr>
-        <p:blipFill>
-          <a:blip r:embed="rId2"/>
-          <a:stretch>
-            <a:fillRect/>
-          </a:stretch>
-        </p:blipFill>
+        </p:nvSpPr>
         <p:spPr>
           <a:xfrm>
-            <a:off x="1815547" y="1404731"/>
-            <a:ext cx="10137913" cy="4982818"/>
+            <a:off x="1484310" y="1378227"/>
+            <a:ext cx="10707690" cy="5433390"/>
           </a:xfrm>
         </p:spPr>
-      </p:pic>
+        <p:txBody>
+          <a:bodyPr>
+            <a:noAutofit/>
+          </a:bodyPr>
+          <a:lstStyle/>
+          <a:p>
+            <a:pPr marL="0" indent="0">
+              <a:buNone/>
+            </a:pPr>
+            <a:r>
+              <a:rPr lang="en-GB" sz="2000" dirty="0">
+                <a:latin typeface="Calibri" panose="020F0502020204030204" pitchFamily="34" charset="0"/>
+                <a:cs typeface="Calibri" panose="020F0502020204030204" pitchFamily="34" charset="0"/>
+              </a:rPr>
+              <a:t>The proposed system contains the following features:</a:t>
+            </a:r>
+          </a:p>
+          <a:p>
+            <a:pPr>
+              <a:buFont typeface="Arial" panose="020B0604020202020204" pitchFamily="34" charset="0"/>
+              <a:buChar char="•"/>
+            </a:pPr>
+            <a:r>
+              <a:rPr lang="en-GB" sz="2000" dirty="0">
+                <a:latin typeface="Calibri" panose="020F0502020204030204" pitchFamily="34" charset="0"/>
+                <a:cs typeface="Calibri" panose="020F0502020204030204" pitchFamily="34" charset="0"/>
+              </a:rPr>
+              <a:t>The members will register them through Online.</a:t>
+            </a:r>
+          </a:p>
+          <a:p>
+            <a:pPr>
+              <a:buFont typeface="Arial" panose="020B0604020202020204" pitchFamily="34" charset="0"/>
+              <a:buChar char="•"/>
+            </a:pPr>
+            <a:r>
+              <a:rPr lang="en-GB" sz="2000" dirty="0">
+                <a:latin typeface="Calibri" panose="020F0502020204030204" pitchFamily="34" charset="0"/>
+                <a:cs typeface="Calibri" panose="020F0502020204030204" pitchFamily="34" charset="0"/>
+              </a:rPr>
+              <a:t> Individually each member will have his account  through which he can access the information he needs. </a:t>
+            </a:r>
+          </a:p>
+          <a:p>
+            <a:pPr>
+              <a:buFont typeface="Arial" panose="020B0604020202020204" pitchFamily="34" charset="0"/>
+              <a:buChar char="•"/>
+            </a:pPr>
+            <a:r>
+              <a:rPr lang="en-GB" sz="2000" dirty="0">
+                <a:latin typeface="Calibri" panose="020F0502020204030204" pitchFamily="34" charset="0"/>
+                <a:cs typeface="Calibri" panose="020F0502020204030204" pitchFamily="34" charset="0"/>
+              </a:rPr>
+              <a:t> Book details like authors, number of copies totally maintained by library, present available number of books, reference books, non-reference books etc. all this information can be made handy.</a:t>
+            </a:r>
+          </a:p>
+          <a:p>
+            <a:pPr>
+              <a:buFont typeface="Arial" panose="020B0604020202020204" pitchFamily="34" charset="0"/>
+              <a:buChar char="•"/>
+            </a:pPr>
+            <a:r>
+              <a:rPr lang="en-GB" sz="2000" dirty="0">
+                <a:latin typeface="Calibri" panose="020F0502020204030204" pitchFamily="34" charset="0"/>
+                <a:cs typeface="Calibri" panose="020F0502020204030204" pitchFamily="34" charset="0"/>
+              </a:rPr>
+              <a:t>Regarding the members designation, number of books was issued. </a:t>
+            </a:r>
+          </a:p>
+          <a:p>
+            <a:pPr>
+              <a:buFont typeface="Arial" panose="020B0604020202020204" pitchFamily="34" charset="0"/>
+              <a:buChar char="•"/>
+            </a:pPr>
+            <a:r>
+              <a:rPr lang="en-GB" sz="2000" dirty="0">
+                <a:latin typeface="Calibri" panose="020F0502020204030204" pitchFamily="34" charset="0"/>
+                <a:cs typeface="Calibri" panose="020F0502020204030204" pitchFamily="34" charset="0"/>
+              </a:rPr>
+              <a:t>Issue dates and returns of each member is maintained separately .</a:t>
+            </a:r>
+          </a:p>
+          <a:p>
+            <a:pPr>
+              <a:buFont typeface="Arial" panose="020B0604020202020204" pitchFamily="34" charset="0"/>
+              <a:buChar char="•"/>
+            </a:pPr>
+            <a:r>
+              <a:rPr lang="en-GB" sz="2000" dirty="0">
+                <a:latin typeface="Calibri" panose="020F0502020204030204" pitchFamily="34" charset="0"/>
+                <a:cs typeface="Calibri" panose="020F0502020204030204" pitchFamily="34" charset="0"/>
+              </a:rPr>
+              <a:t>Librarian  can add, update , delete the books.</a:t>
+            </a:r>
+          </a:p>
+          <a:p>
+            <a:pPr>
+              <a:buFont typeface="Arial" panose="020B0604020202020204" pitchFamily="34" charset="0"/>
+              <a:buChar char="•"/>
+            </a:pPr>
+            <a:r>
+              <a:rPr lang="en-GB" sz="2000" dirty="0">
+                <a:latin typeface="Calibri" panose="020F0502020204030204" pitchFamily="34" charset="0"/>
+                <a:cs typeface="Calibri" panose="020F0502020204030204" pitchFamily="34" charset="0"/>
+              </a:rPr>
+              <a:t>Time consuming is low, gives accurate results, reliability can be improved with the help of security.</a:t>
+            </a:r>
+          </a:p>
+          <a:p>
+            <a:pPr>
+              <a:buFont typeface="Arial" panose="020B0604020202020204" pitchFamily="34" charset="0"/>
+              <a:buChar char="•"/>
+            </a:pPr>
+            <a:endParaRPr lang="en-GB" sz="2000" dirty="0">
+              <a:latin typeface="Calibri" panose="020F0502020204030204" pitchFamily="34" charset="0"/>
+              <a:cs typeface="Calibri" panose="020F0502020204030204" pitchFamily="34" charset="0"/>
+            </a:endParaRPr>
+          </a:p>
+        </p:txBody>
+      </p:sp>
     </p:spTree>
     <p:extLst>
       <p:ext uri="{BB962C8B-B14F-4D97-AF65-F5344CB8AC3E}">
-        <p14:creationId xmlns:p14="http://schemas.microsoft.com/office/powerpoint/2010/main" val="1319685150"/>
+        <p14:creationId xmlns:p14="http://schemas.microsoft.com/office/powerpoint/2010/main" val="1007928583"/>
       </p:ext>
     </p:extLst>
   </p:cSld>
@@ -8996,7 +7904,7 @@
           <p:cNvPr id="2" name="Title 1">
             <a:extLst>
               <a:ext uri="{FF2B5EF4-FFF2-40B4-BE49-F238E27FC236}">
-                <a16:creationId xmlns:a16="http://schemas.microsoft.com/office/drawing/2014/main" id="{13EFD593-322C-F9EE-E5EB-4D436BE28A40}"/>
+                <a16:creationId xmlns:a16="http://schemas.microsoft.com/office/drawing/2014/main" id="{96DF0CD5-EC67-A011-C8D6-71772DACA4A1}"/>
               </a:ext>
             </a:extLst>
           </p:cNvPr>
@@ -9009,44 +7917,8 @@
         </p:nvSpPr>
         <p:spPr>
           <a:xfrm>
-            <a:off x="1484311" y="145774"/>
-            <a:ext cx="10018713" cy="1683027"/>
-          </a:xfrm>
-        </p:spPr>
-        <p:txBody>
-          <a:bodyPr/>
-          <a:lstStyle/>
-          <a:p>
-            <a:r>
-              <a:rPr lang="en-GB" sz="4000" dirty="0">
-                <a:latin typeface="Arial Black" panose="020B0A04020102020204" pitchFamily="34" charset="0"/>
-              </a:rPr>
-              <a:t>DATABASE DESIGN</a:t>
-            </a:r>
-            <a:endParaRPr lang="en-GB" dirty="0"/>
-          </a:p>
-        </p:txBody>
-      </p:sp>
-      <p:sp>
-        <p:nvSpPr>
-          <p:cNvPr id="3" name="Content Placeholder 2">
-            <a:extLst>
-              <a:ext uri="{FF2B5EF4-FFF2-40B4-BE49-F238E27FC236}">
-                <a16:creationId xmlns:a16="http://schemas.microsoft.com/office/drawing/2014/main" id="{144AB1ED-1C0A-B509-64A8-9FFE09E19350}"/>
-              </a:ext>
-            </a:extLst>
-          </p:cNvPr>
-          <p:cNvSpPr>
-            <a:spLocks noGrp="1"/>
-          </p:cNvSpPr>
-          <p:nvPr>
-            <p:ph idx="1"/>
-          </p:nvPr>
-        </p:nvSpPr>
-        <p:spPr>
-          <a:xfrm>
-            <a:off x="1484310" y="1828801"/>
-            <a:ext cx="10018713" cy="3975651"/>
+            <a:off x="1484311" y="0"/>
+            <a:ext cx="10018713" cy="6533322"/>
           </a:xfrm>
         </p:spPr>
         <p:txBody>
@@ -9055,438 +7927,68 @@
           </a:bodyPr>
           <a:lstStyle/>
           <a:p>
-            <a:pPr>
-              <a:buFont typeface="Wingdings" panose="05000000000000000000" pitchFamily="2" charset="2"/>
-              <a:buChar char="q"/>
+            <a:pPr algn="l">
+              <a:lnSpc>
+                <a:spcPct val="150000"/>
+              </a:lnSpc>
             </a:pPr>
             <a:r>
-              <a:rPr lang="en-GB" b="1" dirty="0"/>
-              <a:t> Table Design </a:t>
-            </a:r>
-            <a:r>
-              <a:rPr lang="en-GB" sz="2000" b="1" dirty="0"/>
+              <a:rPr lang="en-GB" sz="3600" b="1" dirty="0">
+                <a:latin typeface="Arial Black" panose="020B0A04020102020204" pitchFamily="34" charset="0"/>
+                <a:cs typeface="Calibri" panose="020F0502020204030204" pitchFamily="34" charset="0"/>
+              </a:rPr>
+              <a:t>Conclusion</a:t>
+            </a:r>
+            <a:r>
+              <a:rPr lang="en-GB" sz="3600" dirty="0">
+                <a:latin typeface="Arial Black" panose="020B0A04020102020204" pitchFamily="34" charset="0"/>
+                <a:cs typeface="Calibri" panose="020F0502020204030204" pitchFamily="34" charset="0"/>
+              </a:rPr>
               <a:t>:-</a:t>
             </a:r>
-          </a:p>
-          <a:p>
-            <a:pPr marL="0" indent="0">
-              <a:buNone/>
-            </a:pPr>
-            <a:r>
-              <a:rPr lang="en-GB" sz="2000" b="1" dirty="0"/>
-              <a:t>       </a:t>
-            </a:r>
-            <a:r>
-              <a:rPr lang="en-GB" sz="2800" b="1" dirty="0"/>
-              <a:t>1</a:t>
-            </a:r>
-            <a:r>
-              <a:rPr lang="en-GB" sz="2000" b="1" dirty="0"/>
-              <a:t>.Book :-</a:t>
-            </a:r>
-          </a:p>
-          <a:p>
-            <a:pPr>
-              <a:buFont typeface="Wingdings" panose="05000000000000000000" pitchFamily="2" charset="2"/>
-              <a:buChar char="v"/>
-            </a:pPr>
-            <a:endParaRPr lang="en-GB" sz="2800" b="1" dirty="0"/>
-          </a:p>
-        </p:txBody>
-      </p:sp>
-      <p:graphicFrame>
-        <p:nvGraphicFramePr>
-          <p:cNvPr id="4" name="Table 3">
-            <a:extLst>
-              <a:ext uri="{FF2B5EF4-FFF2-40B4-BE49-F238E27FC236}">
-                <a16:creationId xmlns:a16="http://schemas.microsoft.com/office/drawing/2014/main" id="{168BEA03-A0B6-1CED-E545-30B52328F2E7}"/>
-              </a:ext>
-            </a:extLst>
-          </p:cNvPr>
-          <p:cNvGraphicFramePr>
-            <a:graphicFrameLocks noGrp="1"/>
-          </p:cNvGraphicFramePr>
-          <p:nvPr>
-            <p:extLst>
-              <p:ext uri="{D42A27DB-BD31-4B8C-83A1-F6EECF244321}">
-                <p14:modId xmlns:p14="http://schemas.microsoft.com/office/powerpoint/2010/main" val="143535167"/>
-              </p:ext>
-            </p:extLst>
-          </p:nvPr>
-        </p:nvGraphicFramePr>
-        <p:xfrm>
-          <a:off x="3472070" y="3776870"/>
-          <a:ext cx="8030953" cy="2601940"/>
-        </p:xfrm>
-        <a:graphic>
-          <a:graphicData uri="http://schemas.openxmlformats.org/drawingml/2006/table">
-            <a:tbl>
-              <a:tblPr firstRow="1" bandRow="1">
-                <a:tableStyleId>{5C22544A-7EE6-4342-B048-85BDC9FD1C3A}</a:tableStyleId>
-              </a:tblPr>
-              <a:tblGrid>
-                <a:gridCol w="2722582">
-                  <a:extLst>
-                    <a:ext uri="{9D8B030D-6E8A-4147-A177-3AD203B41FA5}">
-                      <a16:colId xmlns:a16="http://schemas.microsoft.com/office/drawing/2014/main" val="1637108337"/>
-                    </a:ext>
-                  </a:extLst>
-                </a:gridCol>
-                <a:gridCol w="2690222">
-                  <a:extLst>
-                    <a:ext uri="{9D8B030D-6E8A-4147-A177-3AD203B41FA5}">
-                      <a16:colId xmlns:a16="http://schemas.microsoft.com/office/drawing/2014/main" val="521961603"/>
-                    </a:ext>
-                  </a:extLst>
-                </a:gridCol>
-                <a:gridCol w="2618149">
-                  <a:extLst>
-                    <a:ext uri="{9D8B030D-6E8A-4147-A177-3AD203B41FA5}">
-                      <a16:colId xmlns:a16="http://schemas.microsoft.com/office/drawing/2014/main" val="772606067"/>
-                    </a:ext>
-                  </a:extLst>
-                </a:gridCol>
-              </a:tblGrid>
-              <a:tr h="447236">
-                <a:tc>
-                  <a:txBody>
-                    <a:bodyPr/>
-                    <a:lstStyle/>
-                    <a:p>
-                      <a:r>
-                        <a:rPr lang="en-GB" dirty="0"/>
-                        <a:t>          Column Name</a:t>
-                      </a:r>
-                    </a:p>
-                  </a:txBody>
-                  <a:tcPr/>
-                </a:tc>
-                <a:tc>
-                  <a:txBody>
-                    <a:bodyPr/>
-                    <a:lstStyle/>
-                    <a:p>
-                      <a:r>
-                        <a:rPr lang="en-GB" dirty="0"/>
-                        <a:t>             Data  Types</a:t>
-                      </a:r>
-                    </a:p>
-                  </a:txBody>
-                  <a:tcPr/>
-                </a:tc>
-                <a:tc>
-                  <a:txBody>
-                    <a:bodyPr/>
-                    <a:lstStyle/>
-                    <a:p>
-                      <a:r>
-                        <a:rPr lang="en-GB" dirty="0"/>
-                        <a:t>          Constraints </a:t>
-                      </a:r>
-                    </a:p>
-                  </a:txBody>
-                  <a:tcPr/>
-                </a:tc>
-                <a:extLst>
-                  <a:ext uri="{0D108BD9-81ED-4DB2-BD59-A6C34878D82A}">
-                    <a16:rowId xmlns:a16="http://schemas.microsoft.com/office/drawing/2014/main" val="2847953915"/>
-                  </a:ext>
-                </a:extLst>
-              </a:tr>
-              <a:tr h="0">
-                <a:tc>
-                  <a:txBody>
-                    <a:bodyPr/>
-                    <a:lstStyle/>
-                    <a:p>
-                      <a:r>
-                        <a:rPr lang="en-GB" dirty="0"/>
-                        <a:t>                       ID</a:t>
-                      </a:r>
-                    </a:p>
-                  </a:txBody>
-                  <a:tcPr/>
-                </a:tc>
-                <a:tc>
-                  <a:txBody>
-                    <a:bodyPr/>
-                    <a:lstStyle/>
-                    <a:p>
-                      <a:r>
-                        <a:rPr lang="en-GB" dirty="0"/>
-                        <a:t>    INT</a:t>
-                      </a:r>
-                    </a:p>
-                  </a:txBody>
-                  <a:tcPr/>
-                </a:tc>
-                <a:tc>
-                  <a:txBody>
-                    <a:bodyPr/>
-                    <a:lstStyle/>
-                    <a:p>
-                      <a:r>
-                        <a:rPr lang="en-GB" dirty="0"/>
-                        <a:t> Primary Key</a:t>
-                      </a:r>
-                    </a:p>
-                  </a:txBody>
-                  <a:tcPr/>
-                </a:tc>
-                <a:extLst>
-                  <a:ext uri="{0D108BD9-81ED-4DB2-BD59-A6C34878D82A}">
-                    <a16:rowId xmlns:a16="http://schemas.microsoft.com/office/drawing/2014/main" val="2131901371"/>
-                  </a:ext>
-                </a:extLst>
-              </a:tr>
-              <a:tr h="447236">
-                <a:tc>
-                  <a:txBody>
-                    <a:bodyPr/>
-                    <a:lstStyle/>
-                    <a:p>
-                      <a:r>
-                        <a:rPr lang="en-GB" dirty="0"/>
-                        <a:t>                   </a:t>
-                      </a:r>
-                      <a:r>
-                        <a:rPr lang="en-GB" dirty="0">
-                          <a:latin typeface="Calibri" panose="020F0502020204030204" pitchFamily="34" charset="0"/>
-                          <a:cs typeface="Calibri" panose="020F0502020204030204" pitchFamily="34" charset="0"/>
-                        </a:rPr>
-                        <a:t>Title</a:t>
-                      </a:r>
-                    </a:p>
-                  </a:txBody>
-                  <a:tcPr/>
-                </a:tc>
-                <a:tc>
-                  <a:txBody>
-                    <a:bodyPr/>
-                    <a:lstStyle/>
-                    <a:p>
-                      <a:r>
-                        <a:rPr lang="en-GB" dirty="0"/>
-                        <a:t>    VARCHAR (100)</a:t>
-                      </a:r>
-                    </a:p>
-                  </a:txBody>
-                  <a:tcPr/>
-                </a:tc>
-                <a:tc>
-                  <a:txBody>
-                    <a:bodyPr/>
-                    <a:lstStyle/>
-                    <a:p>
-                      <a:r>
-                        <a:rPr lang="en-GB" dirty="0"/>
-                        <a:t> NOT NULL</a:t>
-                      </a:r>
-                    </a:p>
-                  </a:txBody>
-                  <a:tcPr/>
-                </a:tc>
-                <a:extLst>
-                  <a:ext uri="{0D108BD9-81ED-4DB2-BD59-A6C34878D82A}">
-                    <a16:rowId xmlns:a16="http://schemas.microsoft.com/office/drawing/2014/main" val="599627158"/>
-                  </a:ext>
-                </a:extLst>
-              </a:tr>
-              <a:tr h="447236">
-                <a:tc>
-                  <a:txBody>
-                    <a:bodyPr/>
-                    <a:lstStyle/>
-                    <a:p>
-                      <a:r>
-                        <a:rPr lang="en-GB" dirty="0"/>
-                        <a:t>                 Author</a:t>
-                      </a:r>
-                      <a:endParaRPr lang="en-GB" dirty="0">
-                        <a:latin typeface="Calibri" panose="020F0502020204030204" pitchFamily="34" charset="0"/>
-                        <a:cs typeface="Calibri" panose="020F0502020204030204" pitchFamily="34" charset="0"/>
-                      </a:endParaRPr>
-                    </a:p>
-                  </a:txBody>
-                  <a:tcPr/>
-                </a:tc>
-                <a:tc>
-                  <a:txBody>
-                    <a:bodyPr/>
-                    <a:lstStyle/>
-                    <a:p>
-                      <a:pPr marL="0" marR="0" lvl="0" indent="0" algn="l" defTabSz="457200" rtl="0" eaLnBrk="1" fontAlgn="auto" latinLnBrk="0" hangingPunct="1">
-                        <a:lnSpc>
-                          <a:spcPct val="100000"/>
-                        </a:lnSpc>
-                        <a:spcBef>
-                          <a:spcPts val="0"/>
-                        </a:spcBef>
-                        <a:spcAft>
-                          <a:spcPts val="0"/>
-                        </a:spcAft>
-                        <a:buClrTx/>
-                        <a:buSzTx/>
-                        <a:buFontTx/>
-                        <a:buNone/>
-                        <a:tabLst/>
-                        <a:defRPr/>
-                      </a:pPr>
-                      <a:r>
-                        <a:rPr lang="en-GB" dirty="0">
-                          <a:latin typeface="+mn-lt"/>
-                          <a:cs typeface="Calibri" panose="020F0502020204030204" pitchFamily="34" charset="0"/>
-                        </a:rPr>
-                        <a:t>     VARCHAR (50)</a:t>
-                      </a:r>
-                    </a:p>
-                  </a:txBody>
-                  <a:tcPr/>
-                </a:tc>
-                <a:tc>
-                  <a:txBody>
-                    <a:bodyPr/>
-                    <a:lstStyle/>
-                    <a:p>
-                      <a:r>
-                        <a:rPr lang="en-GB" dirty="0"/>
-                        <a:t>NOT NULL</a:t>
-                      </a:r>
-                    </a:p>
-                  </a:txBody>
-                  <a:tcPr/>
-                </a:tc>
-                <a:extLst>
-                  <a:ext uri="{0D108BD9-81ED-4DB2-BD59-A6C34878D82A}">
-                    <a16:rowId xmlns:a16="http://schemas.microsoft.com/office/drawing/2014/main" val="1790812979"/>
-                  </a:ext>
-                </a:extLst>
-              </a:tr>
-              <a:tr h="447236">
-                <a:tc>
-                  <a:txBody>
-                    <a:bodyPr/>
-                    <a:lstStyle/>
-                    <a:p>
-                      <a:r>
-                        <a:rPr lang="en-GB" dirty="0"/>
-                        <a:t>         </a:t>
-                      </a:r>
-                      <a:r>
-                        <a:rPr lang="en-GB" dirty="0">
-                          <a:latin typeface="Calibri" panose="020F0502020204030204" pitchFamily="34" charset="0"/>
-                          <a:cs typeface="Calibri" panose="020F0502020204030204" pitchFamily="34" charset="0"/>
-                        </a:rPr>
-                        <a:t>YearOfPublication</a:t>
-                      </a:r>
-                      <a:endParaRPr lang="en-GB" dirty="0"/>
-                    </a:p>
-                  </a:txBody>
-                  <a:tcPr/>
-                </a:tc>
-                <a:tc>
-                  <a:txBody>
-                    <a:bodyPr/>
-                    <a:lstStyle/>
-                    <a:p>
-                      <a:pPr marL="0" marR="0" lvl="0" indent="0" algn="l" defTabSz="457200" rtl="0" eaLnBrk="1" fontAlgn="auto" latinLnBrk="0" hangingPunct="1">
-                        <a:lnSpc>
-                          <a:spcPct val="100000"/>
-                        </a:lnSpc>
-                        <a:spcBef>
-                          <a:spcPts val="0"/>
-                        </a:spcBef>
-                        <a:spcAft>
-                          <a:spcPts val="0"/>
-                        </a:spcAft>
-                        <a:buClrTx/>
-                        <a:buSzTx/>
-                        <a:buFontTx/>
-                        <a:buNone/>
-                        <a:tabLst/>
-                        <a:defRPr/>
-                      </a:pPr>
-                      <a:r>
-                        <a:rPr lang="en-GB" dirty="0"/>
-                        <a:t>      INT</a:t>
-                      </a:r>
-                    </a:p>
-                  </a:txBody>
-                  <a:tcPr/>
-                </a:tc>
-                <a:tc>
-                  <a:txBody>
-                    <a:bodyPr/>
-                    <a:lstStyle/>
-                    <a:p>
-                      <a:r>
-                        <a:rPr lang="en-GB" dirty="0"/>
-                        <a:t>NOT NULL</a:t>
-                      </a:r>
-                    </a:p>
-                  </a:txBody>
-                  <a:tcPr/>
-                </a:tc>
-                <a:extLst>
-                  <a:ext uri="{0D108BD9-81ED-4DB2-BD59-A6C34878D82A}">
-                    <a16:rowId xmlns:a16="http://schemas.microsoft.com/office/drawing/2014/main" val="3648466817"/>
-                  </a:ext>
-                </a:extLst>
-              </a:tr>
-              <a:tr h="447236">
-                <a:tc>
-                  <a:txBody>
-                    <a:bodyPr/>
-                    <a:lstStyle/>
-                    <a:p>
-                      <a:r>
-                        <a:rPr lang="en-GB" dirty="0"/>
-                        <a:t>        MembershipDate</a:t>
-                      </a:r>
-                    </a:p>
-                  </a:txBody>
-                  <a:tcPr/>
-                </a:tc>
-                <a:tc>
-                  <a:txBody>
-                    <a:bodyPr/>
-                    <a:lstStyle/>
-                    <a:p>
-                      <a:r>
-                        <a:rPr lang="en-GB" dirty="0"/>
-                        <a:t>      DATE</a:t>
-                      </a:r>
-                    </a:p>
-                  </a:txBody>
-                  <a:tcPr/>
-                </a:tc>
-                <a:tc>
-                  <a:txBody>
-                    <a:bodyPr/>
-                    <a:lstStyle/>
-                    <a:p>
-                      <a:r>
-                        <a:rPr lang="en-GB" dirty="0"/>
-                        <a:t>NOT NULL</a:t>
-                      </a:r>
-                    </a:p>
-                  </a:txBody>
-                  <a:tcPr/>
-                </a:tc>
-                <a:extLst>
-                  <a:ext uri="{0D108BD9-81ED-4DB2-BD59-A6C34878D82A}">
-                    <a16:rowId xmlns:a16="http://schemas.microsoft.com/office/drawing/2014/main" val="3163741356"/>
-                  </a:ext>
-                </a:extLst>
-              </a:tr>
-            </a:tbl>
-          </a:graphicData>
-        </a:graphic>
-      </p:graphicFrame>
+            <a:br>
+              <a:rPr lang="en-GB" sz="3600" dirty="0">
+                <a:latin typeface="Calibri" panose="020F0502020204030204" pitchFamily="34" charset="0"/>
+                <a:cs typeface="Calibri" panose="020F0502020204030204" pitchFamily="34" charset="0"/>
+              </a:rPr>
+            </a:br>
+            <a:r>
+              <a:rPr lang="en-GB" sz="2200" dirty="0">
+                <a:latin typeface="Calibri" panose="020F0502020204030204" pitchFamily="34" charset="0"/>
+                <a:cs typeface="Calibri" panose="020F0502020204030204" pitchFamily="34" charset="0"/>
+              </a:rPr>
+              <a:t>                     This website provides a computerized version of library management system which will benefit the members as well as the librarian of the library.</a:t>
+            </a:r>
+            <a:br>
+              <a:rPr lang="en-GB" sz="2200" dirty="0">
+                <a:latin typeface="Calibri" panose="020F0502020204030204" pitchFamily="34" charset="0"/>
+                <a:cs typeface="Calibri" panose="020F0502020204030204" pitchFamily="34" charset="0"/>
+              </a:rPr>
+            </a:br>
+            <a:r>
+              <a:rPr lang="en-GB" sz="2200" dirty="0">
+                <a:latin typeface="Calibri" panose="020F0502020204030204" pitchFamily="34" charset="0"/>
+                <a:cs typeface="Calibri" panose="020F0502020204030204" pitchFamily="34" charset="0"/>
+              </a:rPr>
+              <a:t>                     It makes entire process online where members can search books,  librarian can generate reports and do book transactions. It also has a facility for members login where members can login and can see status of books issued as well request for book or give some suggestions. </a:t>
+            </a:r>
+            <a:br>
+              <a:rPr lang="en-GB" sz="2200" dirty="0">
+                <a:latin typeface="Calibri" panose="020F0502020204030204" pitchFamily="34" charset="0"/>
+                <a:cs typeface="Calibri" panose="020F0502020204030204" pitchFamily="34" charset="0"/>
+              </a:rPr>
+            </a:br>
+            <a:endParaRPr lang="en-GB" sz="2200" dirty="0">
+              <a:latin typeface="Calibri" panose="020F0502020204030204" pitchFamily="34" charset="0"/>
+              <a:cs typeface="Calibri" panose="020F0502020204030204" pitchFamily="34" charset="0"/>
+            </a:endParaRPr>
+          </a:p>
+        </p:txBody>
+      </p:sp>
     </p:spTree>
     <p:extLst>
       <p:ext uri="{BB962C8B-B14F-4D97-AF65-F5344CB8AC3E}">
-        <p14:creationId xmlns:p14="http://schemas.microsoft.com/office/powerpoint/2010/main" val="1257252755"/>
+        <p14:creationId xmlns:p14="http://schemas.microsoft.com/office/powerpoint/2010/main" val="2093808930"/>
       </p:ext>
     </p:extLst>
   </p:cSld>
